--- a/draft-lee-teas-actn-vn-yang.pptx
+++ b/draft-lee-teas-actn-vn-yang.pptx
@@ -19,15 +19,15 @@
     <p:sldId id="266" r:id="rId8"/>
     <p:sldId id="273" r:id="rId9"/>
     <p:sldId id="275" r:id="rId10"/>
-    <p:sldId id="267" r:id="rId11"/>
-    <p:sldId id="268" r:id="rId12"/>
-    <p:sldId id="271" r:id="rId13"/>
-    <p:sldId id="262" r:id="rId14"/>
-    <p:sldId id="279" r:id="rId15"/>
-    <p:sldId id="269" r:id="rId16"/>
-    <p:sldId id="276" r:id="rId17"/>
-    <p:sldId id="277" r:id="rId18"/>
-    <p:sldId id="278" r:id="rId19"/>
+    <p:sldId id="280" r:id="rId11"/>
+    <p:sldId id="267" r:id="rId12"/>
+    <p:sldId id="268" r:id="rId13"/>
+    <p:sldId id="271" r:id="rId14"/>
+    <p:sldId id="262" r:id="rId15"/>
+    <p:sldId id="279" r:id="rId16"/>
+    <p:sldId id="269" r:id="rId17"/>
+    <p:sldId id="276" r:id="rId18"/>
+    <p:sldId id="277" r:id="rId19"/>
   </p:sldIdLst>
   <p:sldSz cx="12192000" cy="6858000"/>
   <p:notesSz cx="6858000" cy="9144000"/>
@@ -135,6 +135,26 @@
     </p:ext>
   </p:extLst>
 </p:presentation>
+</file>
+
+<file path=ppt/commentAuthors.xml><?xml version="1.0" encoding="utf-8"?>
+<p:cmAuthorLst xmlns:a="http://schemas.openxmlformats.org/drawingml/2006/main" xmlns:r="http://schemas.openxmlformats.org/officeDocument/2006/relationships" xmlns:p="http://schemas.openxmlformats.org/presentationml/2006/main">
+  <p:cmAuthor id="2" name="Author" initials="A" lastIdx="4" clrIdx="1"/>
+</p:cmAuthorLst>
+</file>
+
+<file path=ppt/comments/comment1.xml><?xml version="1.0" encoding="utf-8"?>
+<p:cmLst xmlns:a="http://schemas.openxmlformats.org/drawingml/2006/main" xmlns:r="http://schemas.openxmlformats.org/officeDocument/2006/relationships" xmlns:p="http://schemas.openxmlformats.org/presentationml/2006/main">
+  <p:cm authorId="2" dt="2018-03-16T11:09:13.637" idx="4">
+    <p:pos x="10" y="10"/>
+    <p:text>I would move this slides in the main body.</p:text>
+    <p:extLst>
+      <p:ext uri="{C676402C-5697-4E1C-873F-D02D1690AC5C}">
+        <p15:threadingInfo xmlns:p15="http://schemas.microsoft.com/office/powerpoint/2012/main" timeZoneBias="300"/>
+      </p:ext>
+    </p:extLst>
+  </p:cm>
+</p:cmLst>
 </file>
 
 <file path=ppt/diagrams/colors1.xml><?xml version="1.0" encoding="utf-8"?>
@@ -4745,6 +4765,13 @@
         </dgm:presLayoutVars>
       </dgm:prSet>
       <dgm:spPr/>
+      <dgm:t>
+        <a:bodyPr/>
+        <a:lstStyle/>
+        <a:p>
+          <a:endParaRPr lang="en-US"/>
+        </a:p>
+      </dgm:t>
     </dgm:pt>
     <dgm:pt modelId="{6A5B8D15-E9C9-49FF-8D44-9A1DD72C6437}" type="pres">
       <dgm:prSet presAssocID="{59B87A8A-8AE0-4957-95EA-A53CB246013E}" presName="vertOne" presStyleCnt="0"/>
@@ -4757,6 +4784,13 @@
         </dgm:presLayoutVars>
       </dgm:prSet>
       <dgm:spPr/>
+      <dgm:t>
+        <a:bodyPr/>
+        <a:lstStyle/>
+        <a:p>
+          <a:endParaRPr lang="en-US"/>
+        </a:p>
+      </dgm:t>
     </dgm:pt>
     <dgm:pt modelId="{B4B738B5-9C1D-4AEB-B55F-7D7F3F343EE0}" type="pres">
       <dgm:prSet presAssocID="{59B87A8A-8AE0-4957-95EA-A53CB246013E}" presName="parTransOne" presStyleCnt="0"/>
@@ -4777,6 +4811,13 @@
         </dgm:presLayoutVars>
       </dgm:prSet>
       <dgm:spPr/>
+      <dgm:t>
+        <a:bodyPr/>
+        <a:lstStyle/>
+        <a:p>
+          <a:endParaRPr lang="en-US"/>
+        </a:p>
+      </dgm:t>
     </dgm:pt>
     <dgm:pt modelId="{E52E2061-B62E-46A2-B3A3-9636F766E03B}" type="pres">
       <dgm:prSet presAssocID="{5D7DAD69-AB5A-4D1F-98D9-083D7BF7069F}" presName="horzTwo" presStyleCnt="0"/>
@@ -4797,6 +4838,13 @@
         </dgm:presLayoutVars>
       </dgm:prSet>
       <dgm:spPr/>
+      <dgm:t>
+        <a:bodyPr/>
+        <a:lstStyle/>
+        <a:p>
+          <a:endParaRPr lang="en-US"/>
+        </a:p>
+      </dgm:t>
     </dgm:pt>
     <dgm:pt modelId="{82143466-0F52-474D-959B-E28D862DE9A7}" type="pres">
       <dgm:prSet presAssocID="{DF3E1A54-D99E-4A39-B5F3-C80A514B46E8}" presName="parTransTwo" presStyleCnt="0"/>
@@ -4817,6 +4865,13 @@
         </dgm:presLayoutVars>
       </dgm:prSet>
       <dgm:spPr/>
+      <dgm:t>
+        <a:bodyPr/>
+        <a:lstStyle/>
+        <a:p>
+          <a:endParaRPr lang="en-US"/>
+        </a:p>
+      </dgm:t>
     </dgm:pt>
     <dgm:pt modelId="{EE00A223-F540-40F9-9BA9-3A5297E2E956}" type="pres">
       <dgm:prSet presAssocID="{060F3ABA-36E3-4DF8-89A3-5527A9AB9028}" presName="horzThree" presStyleCnt="0"/>
@@ -4824,15 +4879,15 @@
     </dgm:pt>
   </dgm:ptLst>
   <dgm:cxnLst>
+    <dgm:cxn modelId="{D059D820-2CF3-4E3D-9545-3A585ABAD736}" type="presOf" srcId="{060F3ABA-36E3-4DF8-89A3-5527A9AB9028}" destId="{E62F8013-FF11-4C4C-8C2C-23FDD8B2D77F}" srcOrd="0" destOrd="0" presId="urn:microsoft.com/office/officeart/2005/8/layout/hierarchy4"/>
+    <dgm:cxn modelId="{742ED71D-3889-43DA-92B4-4E2A0D98A88B}" srcId="{59B87A8A-8AE0-4957-95EA-A53CB246013E}" destId="{DF3E1A54-D99E-4A39-B5F3-C80A514B46E8}" srcOrd="1" destOrd="0" parTransId="{5EB4C3CB-6EEC-4761-8062-8A45AC381EA6}" sibTransId="{B51178B7-C249-41D9-B106-0E7CB6A4148A}"/>
+    <dgm:cxn modelId="{941C82E9-FDC9-4BE4-839D-95780C2767F2}" type="presOf" srcId="{5D7DAD69-AB5A-4D1F-98D9-083D7BF7069F}" destId="{F7FC133E-A587-4FEA-84A9-43997EBCCC3D}" srcOrd="0" destOrd="0" presId="urn:microsoft.com/office/officeart/2005/8/layout/hierarchy4"/>
     <dgm:cxn modelId="{DF27E1A6-245D-41EB-BD96-D8910C99F722}" srcId="{59B87A8A-8AE0-4957-95EA-A53CB246013E}" destId="{5D7DAD69-AB5A-4D1F-98D9-083D7BF7069F}" srcOrd="0" destOrd="0" parTransId="{1F04782D-1B99-4F9F-9D6D-CE693E9AE407}" sibTransId="{F5A30D0A-D037-4A85-85B7-CDDB85AD7A1F}"/>
     <dgm:cxn modelId="{9D55FBEE-3EDD-42BE-9570-C4B607520D0D}" srcId="{DF3E1A54-D99E-4A39-B5F3-C80A514B46E8}" destId="{060F3ABA-36E3-4DF8-89A3-5527A9AB9028}" srcOrd="0" destOrd="0" parTransId="{E915DF27-696D-4815-AC52-18C9E8444B8B}" sibTransId="{89EAACC9-4300-4C4F-925B-B304A085CF50}"/>
-    <dgm:cxn modelId="{D059D820-2CF3-4E3D-9545-3A585ABAD736}" type="presOf" srcId="{060F3ABA-36E3-4DF8-89A3-5527A9AB9028}" destId="{E62F8013-FF11-4C4C-8C2C-23FDD8B2D77F}" srcOrd="0" destOrd="0" presId="urn:microsoft.com/office/officeart/2005/8/layout/hierarchy4"/>
+    <dgm:cxn modelId="{6237BABE-FB85-43C7-8D8B-B23442880E82}" type="presOf" srcId="{DF3E1A54-D99E-4A39-B5F3-C80A514B46E8}" destId="{CBD6DC7A-9D81-425F-8600-C161E6652D2B}" srcOrd="0" destOrd="0" presId="urn:microsoft.com/office/officeart/2005/8/layout/hierarchy4"/>
+    <dgm:cxn modelId="{5FE9281C-0BF4-4B8F-A256-27F21BF11E1B}" srcId="{66122578-A67A-4BEC-8DD6-1EEFC21D1A80}" destId="{59B87A8A-8AE0-4957-95EA-A53CB246013E}" srcOrd="0" destOrd="0" parTransId="{14C6D8D7-6035-4EB2-A4EE-6B880FA34227}" sibTransId="{742F472B-7FFA-4D77-8F20-0FB44AAA6229}"/>
     <dgm:cxn modelId="{F3405835-2145-4EC3-BD8E-209F4DFD78B7}" type="presOf" srcId="{59B87A8A-8AE0-4957-95EA-A53CB246013E}" destId="{2315692A-DD9F-4D19-A7FE-8D9BA16072B0}" srcOrd="0" destOrd="0" presId="urn:microsoft.com/office/officeart/2005/8/layout/hierarchy4"/>
-    <dgm:cxn modelId="{941C82E9-FDC9-4BE4-839D-95780C2767F2}" type="presOf" srcId="{5D7DAD69-AB5A-4D1F-98D9-083D7BF7069F}" destId="{F7FC133E-A587-4FEA-84A9-43997EBCCC3D}" srcOrd="0" destOrd="0" presId="urn:microsoft.com/office/officeart/2005/8/layout/hierarchy4"/>
     <dgm:cxn modelId="{3A3A387C-9C3F-4373-AA99-3C099ABC66C7}" type="presOf" srcId="{66122578-A67A-4BEC-8DD6-1EEFC21D1A80}" destId="{334F112D-B1E4-40B5-90C0-C47D9971B26D}" srcOrd="0" destOrd="0" presId="urn:microsoft.com/office/officeart/2005/8/layout/hierarchy4"/>
-    <dgm:cxn modelId="{5FE9281C-0BF4-4B8F-A256-27F21BF11E1B}" srcId="{66122578-A67A-4BEC-8DD6-1EEFC21D1A80}" destId="{59B87A8A-8AE0-4957-95EA-A53CB246013E}" srcOrd="0" destOrd="0" parTransId="{14C6D8D7-6035-4EB2-A4EE-6B880FA34227}" sibTransId="{742F472B-7FFA-4D77-8F20-0FB44AAA6229}"/>
-    <dgm:cxn modelId="{742ED71D-3889-43DA-92B4-4E2A0D98A88B}" srcId="{59B87A8A-8AE0-4957-95EA-A53CB246013E}" destId="{DF3E1A54-D99E-4A39-B5F3-C80A514B46E8}" srcOrd="1" destOrd="0" parTransId="{5EB4C3CB-6EEC-4761-8062-8A45AC381EA6}" sibTransId="{B51178B7-C249-41D9-B106-0E7CB6A4148A}"/>
-    <dgm:cxn modelId="{6237BABE-FB85-43C7-8D8B-B23442880E82}" type="presOf" srcId="{DF3E1A54-D99E-4A39-B5F3-C80A514B46E8}" destId="{CBD6DC7A-9D81-425F-8600-C161E6652D2B}" srcOrd="0" destOrd="0" presId="urn:microsoft.com/office/officeart/2005/8/layout/hierarchy4"/>
     <dgm:cxn modelId="{C1767470-6B7D-40B2-945D-B26476456AFC}" type="presParOf" srcId="{334F112D-B1E4-40B5-90C0-C47D9971B26D}" destId="{6A5B8D15-E9C9-49FF-8D44-9A1DD72C6437}" srcOrd="0" destOrd="0" presId="urn:microsoft.com/office/officeart/2005/8/layout/hierarchy4"/>
     <dgm:cxn modelId="{8E69340C-4796-4860-AE99-2A835901EA84}" type="presParOf" srcId="{6A5B8D15-E9C9-49FF-8D44-9A1DD72C6437}" destId="{2315692A-DD9F-4D19-A7FE-8D9BA16072B0}" srcOrd="0" destOrd="0" presId="urn:microsoft.com/office/officeart/2005/8/layout/hierarchy4"/>
     <dgm:cxn modelId="{18C750EE-A46B-4DE1-A3ED-5512CAC43431}" type="presParOf" srcId="{6A5B8D15-E9C9-49FF-8D44-9A1DD72C6437}" destId="{B4B738B5-9C1D-4AEB-B55F-7D7F3F343EE0}" srcOrd="1" destOrd="0" presId="urn:microsoft.com/office/officeart/2005/8/layout/hierarchy4"/>
@@ -5141,7 +5196,7 @@
         <a:p>
           <a:r>
             <a:rPr lang="en-US" dirty="0" smtClean="0"/>
-            <a:t>Policy?</a:t>
+            <a:t>Optimization?</a:t>
           </a:r>
           <a:endParaRPr lang="en-IN" dirty="0"/>
         </a:p>
@@ -5982,42 +6037,42 @@
     </dgm:pt>
   </dgm:ptLst>
   <dgm:cxnLst>
+    <dgm:cxn modelId="{90B862B3-C15C-4B89-897C-8022A23DDF96}" srcId="{B33E23E2-4F5D-4F94-938E-0E6B4A4D8EFD}" destId="{530E8221-362E-4FCD-A65F-24381E481991}" srcOrd="0" destOrd="0" parTransId="{3FB2ECA0-76EE-4D8F-8A0C-BE4106B3D25E}" sibTransId="{FDE46AC0-5020-4A43-B929-AC2B8DF6A120}"/>
+    <dgm:cxn modelId="{DFE84747-0AAB-4D0D-BC65-51B528D649D3}" type="presOf" srcId="{3FB2ECA0-76EE-4D8F-8A0C-BE4106B3D25E}" destId="{F8DC796D-0282-4A7D-A06A-642AB344A079}" srcOrd="0" destOrd="0" presId="urn:microsoft.com/office/officeart/2005/8/layout/orgChart1"/>
+    <dgm:cxn modelId="{853B3E21-5D05-4890-AC9A-35EA179E104C}" type="presOf" srcId="{8A59BC52-6C9B-416A-99C4-B8C3EA195C13}" destId="{F281127D-57AE-4111-BF5E-1A0E8FBCC34C}" srcOrd="0" destOrd="0" presId="urn:microsoft.com/office/officeart/2005/8/layout/orgChart1"/>
+    <dgm:cxn modelId="{DBDA8223-5F5A-4262-9DD9-CF47573E87C8}" type="presOf" srcId="{00CB2F25-4E9D-4A0C-8986-234340DF08E0}" destId="{DD5DF5AF-A857-404E-86BC-221D95F49A4A}" srcOrd="1" destOrd="0" presId="urn:microsoft.com/office/officeart/2005/8/layout/orgChart1"/>
+    <dgm:cxn modelId="{C6CB07B0-BC6F-4328-A172-36E43DFD83DF}" srcId="{FDD46219-770C-41CF-A7C2-AEFDBB8E0345}" destId="{B0C88DA5-30A4-40EE-827B-F0810E76B977}" srcOrd="2" destOrd="0" parTransId="{14716572-1DCC-4E22-A6DD-437BDCCE9F63}" sibTransId="{966601EF-0886-4045-8BA8-2610543382D0}"/>
+    <dgm:cxn modelId="{94920326-8369-410F-9B11-31A95BD3216D}" type="presOf" srcId="{530E8221-362E-4FCD-A65F-24381E481991}" destId="{4982D171-CBE8-4F7E-81E4-6A22211D6A41}" srcOrd="1" destOrd="0" presId="urn:microsoft.com/office/officeart/2005/8/layout/orgChart1"/>
+    <dgm:cxn modelId="{A622993D-4113-4D44-A40E-1B485A6056D5}" type="presOf" srcId="{530E8221-362E-4FCD-A65F-24381E481991}" destId="{8C293C66-EF6A-4CD9-8DC8-4729565587D2}" srcOrd="0" destOrd="0" presId="urn:microsoft.com/office/officeart/2005/8/layout/orgChart1"/>
+    <dgm:cxn modelId="{7B9BB8A6-927A-4EA8-9DC4-7D82B37E0796}" srcId="{00CB2F25-4E9D-4A0C-8986-234340DF08E0}" destId="{AF325EB1-44DE-4CB4-897C-0CFC254ACE37}" srcOrd="0" destOrd="0" parTransId="{1726E5ED-123A-4A25-A0AD-8C02A7754830}" sibTransId="{0CACB679-51A6-4163-A236-B9738CCD665E}"/>
+    <dgm:cxn modelId="{16A4BD94-AF52-486D-8977-671A8829B536}" type="presOf" srcId="{FDD46219-770C-41CF-A7C2-AEFDBB8E0345}" destId="{135DD210-C696-4DA5-9AAE-74ABFD1428F2}" srcOrd="0" destOrd="0" presId="urn:microsoft.com/office/officeart/2005/8/layout/orgChart1"/>
     <dgm:cxn modelId="{62EDF8C3-C8D1-4924-A533-8B52CE60D1F7}" type="presOf" srcId="{B33E23E2-4F5D-4F94-938E-0E6B4A4D8EFD}" destId="{A3FB0207-4BEB-4F9D-95F9-D054949E46F2}" srcOrd="0" destOrd="0" presId="urn:microsoft.com/office/officeart/2005/8/layout/orgChart1"/>
-    <dgm:cxn modelId="{90B862B3-C15C-4B89-897C-8022A23DDF96}" srcId="{B33E23E2-4F5D-4F94-938E-0E6B4A4D8EFD}" destId="{530E8221-362E-4FCD-A65F-24381E481991}" srcOrd="0" destOrd="0" parTransId="{3FB2ECA0-76EE-4D8F-8A0C-BE4106B3D25E}" sibTransId="{FDE46AC0-5020-4A43-B929-AC2B8DF6A120}"/>
+    <dgm:cxn modelId="{0CD8A32B-C190-46FE-97C0-43FA784DC304}" type="presOf" srcId="{8948A647-6B39-46E6-8489-A390DF1057CE}" destId="{48EC3C73-7DB2-4A83-BDF0-9EB3D7628A44}" srcOrd="0" destOrd="0" presId="urn:microsoft.com/office/officeart/2005/8/layout/orgChart1"/>
+    <dgm:cxn modelId="{14C4C032-D01F-402A-A3AA-3FAF18BDC4A6}" type="presOf" srcId="{B33E23E2-4F5D-4F94-938E-0E6B4A4D8EFD}" destId="{FFC50F5B-6983-49F6-8EF1-C9AB265AAC54}" srcOrd="1" destOrd="0" presId="urn:microsoft.com/office/officeart/2005/8/layout/orgChart1"/>
+    <dgm:cxn modelId="{22A268E6-A7B1-40FF-B6C0-A4A47D802381}" srcId="{AF325EB1-44DE-4CB4-897C-0CFC254ACE37}" destId="{34961101-92E4-4A2A-8A91-2BCB165E82B5}" srcOrd="0" destOrd="0" parTransId="{D417A909-D0ED-4C5B-A54F-E9852CF8B2B2}" sibTransId="{363F86B8-84A6-44FF-9DF2-E7AA85414616}"/>
+    <dgm:cxn modelId="{F3EFC93C-466F-4114-B447-0236334FB47A}" type="presOf" srcId="{8948A647-6B39-46E6-8489-A390DF1057CE}" destId="{A6FA9F9E-F820-4725-997F-55B0C6DEFFA8}" srcOrd="1" destOrd="0" presId="urn:microsoft.com/office/officeart/2005/8/layout/orgChart1"/>
+    <dgm:cxn modelId="{48CF9BFE-BFBF-46F8-AC65-D6B121E34BCE}" srcId="{B25EB86C-9920-4DA2-81B9-DDDCF30EEB9E}" destId="{00CB2F25-4E9D-4A0C-8986-234340DF08E0}" srcOrd="0" destOrd="0" parTransId="{1BBBEDE8-8585-4D09-AFB6-E4319C026482}" sibTransId="{BB1E0004-EB89-45D4-B8E7-C564827C6847}"/>
+    <dgm:cxn modelId="{EF3FAA8A-195F-40AA-B4B9-904716588C22}" type="presOf" srcId="{00CB2F25-4E9D-4A0C-8986-234340DF08E0}" destId="{69FF92A8-C4F5-440F-B833-B57A27A606CF}" srcOrd="0" destOrd="0" presId="urn:microsoft.com/office/officeart/2005/8/layout/orgChart1"/>
+    <dgm:cxn modelId="{F5FE2AA0-0605-43BC-A396-F9E77B667717}" type="presOf" srcId="{DB0F2B5F-0F20-4E54-9E3E-3216C8191915}" destId="{173566BE-3A93-4C6E-9FC0-44BC587E3DD7}" srcOrd="0" destOrd="0" presId="urn:microsoft.com/office/officeart/2005/8/layout/orgChart1"/>
+    <dgm:cxn modelId="{22DE5B87-8676-4CF6-A560-02B881B478B7}" type="presOf" srcId="{14716572-1DCC-4E22-A6DD-437BDCCE9F63}" destId="{535F19BE-A7E7-4B9B-ACED-DC11D5EF1A58}" srcOrd="0" destOrd="0" presId="urn:microsoft.com/office/officeart/2005/8/layout/orgChart1"/>
+    <dgm:cxn modelId="{1515A64A-23AA-40CE-85F8-C6A6E70B20AE}" type="presOf" srcId="{E349949C-B595-4815-8E5D-29C23C88AA89}" destId="{66D4D06D-C5AD-4502-A1DE-F3E47E0DED17}" srcOrd="0" destOrd="0" presId="urn:microsoft.com/office/officeart/2005/8/layout/orgChart1"/>
+    <dgm:cxn modelId="{7E7CD670-993D-4529-A4A2-E2317ED53085}" srcId="{FDD46219-770C-41CF-A7C2-AEFDBB8E0345}" destId="{B33E23E2-4F5D-4F94-938E-0E6B4A4D8EFD}" srcOrd="0" destOrd="0" parTransId="{E349949C-B595-4815-8E5D-29C23C88AA89}" sibTransId="{8E95C42F-A905-483D-B68B-11A0AB2F5E17}"/>
+    <dgm:cxn modelId="{1049900B-06D3-4280-B27C-90608A16B9D9}" type="presOf" srcId="{680E850D-EBD5-4B2E-91F2-98BBE1DD003D}" destId="{F0EB0EED-7C06-4F36-8A3E-414BEF20553A}" srcOrd="0" destOrd="0" presId="urn:microsoft.com/office/officeart/2005/8/layout/orgChart1"/>
+    <dgm:cxn modelId="{7BBCC87B-A38A-470A-AAB4-13AB4691F3C5}" type="presOf" srcId="{1726E5ED-123A-4A25-A0AD-8C02A7754830}" destId="{BB8DDC76-745B-4EE7-8163-BFF72C2E4DC9}" srcOrd="0" destOrd="0" presId="urn:microsoft.com/office/officeart/2005/8/layout/orgChart1"/>
+    <dgm:cxn modelId="{D94346A6-70E6-41AB-9D82-86BAAE83A8EC}" type="presOf" srcId="{43190E33-1779-45D1-8B1F-7A9B193C83BB}" destId="{89FF4F25-0E90-4E20-9AD8-69631687BC6F}" srcOrd="0" destOrd="0" presId="urn:microsoft.com/office/officeart/2005/8/layout/orgChart1"/>
+    <dgm:cxn modelId="{0AF7C5CA-FE7D-43AE-BBEA-F1A629C7FC48}" type="presOf" srcId="{D417A909-D0ED-4C5B-A54F-E9852CF8B2B2}" destId="{DAD959B3-3CE9-478B-B71E-5EAD225A8D74}" srcOrd="0" destOrd="0" presId="urn:microsoft.com/office/officeart/2005/8/layout/orgChart1"/>
+    <dgm:cxn modelId="{9642516C-84EE-4002-8289-64A03DA33027}" srcId="{B33E23E2-4F5D-4F94-938E-0E6B4A4D8EFD}" destId="{8A59BC52-6C9B-416A-99C4-B8C3EA195C13}" srcOrd="1" destOrd="0" parTransId="{680E850D-EBD5-4B2E-91F2-98BBE1DD003D}" sibTransId="{F2142884-D3EF-4FC0-9282-0E05B9A95E1F}"/>
+    <dgm:cxn modelId="{64E9C40B-661D-4494-B217-4EA01773ABD9}" type="presOf" srcId="{B0C88DA5-30A4-40EE-827B-F0810E76B977}" destId="{069B7B06-419F-45FC-8A32-91BA3417B698}" srcOrd="1" destOrd="0" presId="urn:microsoft.com/office/officeart/2005/8/layout/orgChart1"/>
+    <dgm:cxn modelId="{DB9E4165-3F4C-4DCA-8ACF-CCAE546D7A60}" type="presOf" srcId="{B25EB86C-9920-4DA2-81B9-DDDCF30EEB9E}" destId="{3D3E7DFE-C616-40E4-A853-704509999E00}" srcOrd="0" destOrd="0" presId="urn:microsoft.com/office/officeart/2005/8/layout/orgChart1"/>
+    <dgm:cxn modelId="{463658C3-3A32-4FEC-B9A0-29DE28DD518D}" type="presOf" srcId="{B0C88DA5-30A4-40EE-827B-F0810E76B977}" destId="{52B356F5-DF8B-4093-A380-85848097F276}" srcOrd="0" destOrd="0" presId="urn:microsoft.com/office/officeart/2005/8/layout/orgChart1"/>
+    <dgm:cxn modelId="{A5C1FB00-42DC-47ED-9D49-023B58AED779}" srcId="{FDD46219-770C-41CF-A7C2-AEFDBB8E0345}" destId="{8948A647-6B39-46E6-8489-A390DF1057CE}" srcOrd="1" destOrd="0" parTransId="{DB0F2B5F-0F20-4E54-9E3E-3216C8191915}" sibTransId="{7C3ACA1E-1608-4588-B466-7EE275FAA1BD}"/>
     <dgm:cxn modelId="{BB6FBCCB-F1DC-44F4-95A3-E17EDFFAAA57}" type="presOf" srcId="{34961101-92E4-4A2A-8A91-2BCB165E82B5}" destId="{10613131-C488-4ACC-A8A3-F03ACCC9B35A}" srcOrd="0" destOrd="0" presId="urn:microsoft.com/office/officeart/2005/8/layout/orgChart1"/>
-    <dgm:cxn modelId="{7B9BB8A6-927A-4EA8-9DC4-7D82B37E0796}" srcId="{00CB2F25-4E9D-4A0C-8986-234340DF08E0}" destId="{AF325EB1-44DE-4CB4-897C-0CFC254ACE37}" srcOrd="0" destOrd="0" parTransId="{1726E5ED-123A-4A25-A0AD-8C02A7754830}" sibTransId="{0CACB679-51A6-4163-A236-B9738CCD665E}"/>
     <dgm:cxn modelId="{A53FAAAF-BD8D-4945-9905-7E1E6D0A1CFD}" type="presOf" srcId="{FDD46219-770C-41CF-A7C2-AEFDBB8E0345}" destId="{AE482B00-A8AE-4CEF-8BA9-D118728107EF}" srcOrd="1" destOrd="0" presId="urn:microsoft.com/office/officeart/2005/8/layout/orgChart1"/>
-    <dgm:cxn modelId="{D94346A6-70E6-41AB-9D82-86BAAE83A8EC}" type="presOf" srcId="{43190E33-1779-45D1-8B1F-7A9B193C83BB}" destId="{89FF4F25-0E90-4E20-9AD8-69631687BC6F}" srcOrd="0" destOrd="0" presId="urn:microsoft.com/office/officeart/2005/8/layout/orgChart1"/>
-    <dgm:cxn modelId="{14C4C032-D01F-402A-A3AA-3FAF18BDC4A6}" type="presOf" srcId="{B33E23E2-4F5D-4F94-938E-0E6B4A4D8EFD}" destId="{FFC50F5B-6983-49F6-8EF1-C9AB265AAC54}" srcOrd="1" destOrd="0" presId="urn:microsoft.com/office/officeart/2005/8/layout/orgChart1"/>
-    <dgm:cxn modelId="{0CD8A32B-C190-46FE-97C0-43FA784DC304}" type="presOf" srcId="{8948A647-6B39-46E6-8489-A390DF1057CE}" destId="{48EC3C73-7DB2-4A83-BDF0-9EB3D7628A44}" srcOrd="0" destOrd="0" presId="urn:microsoft.com/office/officeart/2005/8/layout/orgChart1"/>
-    <dgm:cxn modelId="{EF3FAA8A-195F-40AA-B4B9-904716588C22}" type="presOf" srcId="{00CB2F25-4E9D-4A0C-8986-234340DF08E0}" destId="{69FF92A8-C4F5-440F-B833-B57A27A606CF}" srcOrd="0" destOrd="0" presId="urn:microsoft.com/office/officeart/2005/8/layout/orgChart1"/>
-    <dgm:cxn modelId="{16A4BD94-AF52-486D-8977-671A8829B536}" type="presOf" srcId="{FDD46219-770C-41CF-A7C2-AEFDBB8E0345}" destId="{135DD210-C696-4DA5-9AAE-74ABFD1428F2}" srcOrd="0" destOrd="0" presId="urn:microsoft.com/office/officeart/2005/8/layout/orgChart1"/>
+    <dgm:cxn modelId="{54D83DF6-7256-4D4C-9D46-5E44C4D92A3A}" srcId="{00CB2F25-4E9D-4A0C-8986-234340DF08E0}" destId="{FDD46219-770C-41CF-A7C2-AEFDBB8E0345}" srcOrd="1" destOrd="0" parTransId="{43190E33-1779-45D1-8B1F-7A9B193C83BB}" sibTransId="{3C72AB74-702D-453A-BA9F-42813FB541AB}"/>
+    <dgm:cxn modelId="{966B469F-ED4A-4528-B127-C068B9FAD072}" type="presOf" srcId="{AF325EB1-44DE-4CB4-897C-0CFC254ACE37}" destId="{27D2BBF8-E573-419F-A0E8-91B8C4384E08}" srcOrd="0" destOrd="0" presId="urn:microsoft.com/office/officeart/2005/8/layout/orgChart1"/>
+    <dgm:cxn modelId="{0EB19A84-6A20-462F-AA38-7D3754A968D8}" type="presOf" srcId="{34961101-92E4-4A2A-8A91-2BCB165E82B5}" destId="{8256FEA1-A75B-4D39-975C-B5D6F0419921}" srcOrd="1" destOrd="0" presId="urn:microsoft.com/office/officeart/2005/8/layout/orgChart1"/>
+    <dgm:cxn modelId="{15DC5B4D-EB50-489F-845F-7F26DEB34BDD}" type="presOf" srcId="{8A59BC52-6C9B-416A-99C4-B8C3EA195C13}" destId="{C38BB48D-FF89-45F3-9482-FA0462AEF473}" srcOrd="1" destOrd="0" presId="urn:microsoft.com/office/officeart/2005/8/layout/orgChart1"/>
     <dgm:cxn modelId="{C1414ED7-905A-434D-9B3A-00CD9CC63555}" type="presOf" srcId="{AF325EB1-44DE-4CB4-897C-0CFC254ACE37}" destId="{9F2686B4-1C00-499F-A44E-19803685BADF}" srcOrd="1" destOrd="0" presId="urn:microsoft.com/office/officeart/2005/8/layout/orgChart1"/>
-    <dgm:cxn modelId="{F3EFC93C-466F-4114-B447-0236334FB47A}" type="presOf" srcId="{8948A647-6B39-46E6-8489-A390DF1057CE}" destId="{A6FA9F9E-F820-4725-997F-55B0C6DEFFA8}" srcOrd="1" destOrd="0" presId="urn:microsoft.com/office/officeart/2005/8/layout/orgChart1"/>
-    <dgm:cxn modelId="{22DE5B87-8676-4CF6-A560-02B881B478B7}" type="presOf" srcId="{14716572-1DCC-4E22-A6DD-437BDCCE9F63}" destId="{535F19BE-A7E7-4B9B-ACED-DC11D5EF1A58}" srcOrd="0" destOrd="0" presId="urn:microsoft.com/office/officeart/2005/8/layout/orgChart1"/>
-    <dgm:cxn modelId="{F5FE2AA0-0605-43BC-A396-F9E77B667717}" type="presOf" srcId="{DB0F2B5F-0F20-4E54-9E3E-3216C8191915}" destId="{173566BE-3A93-4C6E-9FC0-44BC587E3DD7}" srcOrd="0" destOrd="0" presId="urn:microsoft.com/office/officeart/2005/8/layout/orgChart1"/>
-    <dgm:cxn modelId="{853B3E21-5D05-4890-AC9A-35EA179E104C}" type="presOf" srcId="{8A59BC52-6C9B-416A-99C4-B8C3EA195C13}" destId="{F281127D-57AE-4111-BF5E-1A0E8FBCC34C}" srcOrd="0" destOrd="0" presId="urn:microsoft.com/office/officeart/2005/8/layout/orgChart1"/>
-    <dgm:cxn modelId="{DFE84747-0AAB-4D0D-BC65-51B528D649D3}" type="presOf" srcId="{3FB2ECA0-76EE-4D8F-8A0C-BE4106B3D25E}" destId="{F8DC796D-0282-4A7D-A06A-642AB344A079}" srcOrd="0" destOrd="0" presId="urn:microsoft.com/office/officeart/2005/8/layout/orgChart1"/>
-    <dgm:cxn modelId="{54D83DF6-7256-4D4C-9D46-5E44C4D92A3A}" srcId="{00CB2F25-4E9D-4A0C-8986-234340DF08E0}" destId="{FDD46219-770C-41CF-A7C2-AEFDBB8E0345}" srcOrd="1" destOrd="0" parTransId="{43190E33-1779-45D1-8B1F-7A9B193C83BB}" sibTransId="{3C72AB74-702D-453A-BA9F-42813FB541AB}"/>
-    <dgm:cxn modelId="{DBDA8223-5F5A-4262-9DD9-CF47573E87C8}" type="presOf" srcId="{00CB2F25-4E9D-4A0C-8986-234340DF08E0}" destId="{DD5DF5AF-A857-404E-86BC-221D95F49A4A}" srcOrd="1" destOrd="0" presId="urn:microsoft.com/office/officeart/2005/8/layout/orgChart1"/>
-    <dgm:cxn modelId="{A5C1FB00-42DC-47ED-9D49-023B58AED779}" srcId="{FDD46219-770C-41CF-A7C2-AEFDBB8E0345}" destId="{8948A647-6B39-46E6-8489-A390DF1057CE}" srcOrd="1" destOrd="0" parTransId="{DB0F2B5F-0F20-4E54-9E3E-3216C8191915}" sibTransId="{7C3ACA1E-1608-4588-B466-7EE275FAA1BD}"/>
-    <dgm:cxn modelId="{7E7CD670-993D-4529-A4A2-E2317ED53085}" srcId="{FDD46219-770C-41CF-A7C2-AEFDBB8E0345}" destId="{B33E23E2-4F5D-4F94-938E-0E6B4A4D8EFD}" srcOrd="0" destOrd="0" parTransId="{E349949C-B595-4815-8E5D-29C23C88AA89}" sibTransId="{8E95C42F-A905-483D-B68B-11A0AB2F5E17}"/>
-    <dgm:cxn modelId="{48CF9BFE-BFBF-46F8-AC65-D6B121E34BCE}" srcId="{B25EB86C-9920-4DA2-81B9-DDDCF30EEB9E}" destId="{00CB2F25-4E9D-4A0C-8986-234340DF08E0}" srcOrd="0" destOrd="0" parTransId="{1BBBEDE8-8585-4D09-AFB6-E4319C026482}" sibTransId="{BB1E0004-EB89-45D4-B8E7-C564827C6847}"/>
-    <dgm:cxn modelId="{A622993D-4113-4D44-A40E-1B485A6056D5}" type="presOf" srcId="{530E8221-362E-4FCD-A65F-24381E481991}" destId="{8C293C66-EF6A-4CD9-8DC8-4729565587D2}" srcOrd="0" destOrd="0" presId="urn:microsoft.com/office/officeart/2005/8/layout/orgChart1"/>
-    <dgm:cxn modelId="{1515A64A-23AA-40CE-85F8-C6A6E70B20AE}" type="presOf" srcId="{E349949C-B595-4815-8E5D-29C23C88AA89}" destId="{66D4D06D-C5AD-4502-A1DE-F3E47E0DED17}" srcOrd="0" destOrd="0" presId="urn:microsoft.com/office/officeart/2005/8/layout/orgChart1"/>
-    <dgm:cxn modelId="{64E9C40B-661D-4494-B217-4EA01773ABD9}" type="presOf" srcId="{B0C88DA5-30A4-40EE-827B-F0810E76B977}" destId="{069B7B06-419F-45FC-8A32-91BA3417B698}" srcOrd="1" destOrd="0" presId="urn:microsoft.com/office/officeart/2005/8/layout/orgChart1"/>
-    <dgm:cxn modelId="{0AF7C5CA-FE7D-43AE-BBEA-F1A629C7FC48}" type="presOf" srcId="{D417A909-D0ED-4C5B-A54F-E9852CF8B2B2}" destId="{DAD959B3-3CE9-478B-B71E-5EAD225A8D74}" srcOrd="0" destOrd="0" presId="urn:microsoft.com/office/officeart/2005/8/layout/orgChart1"/>
-    <dgm:cxn modelId="{1049900B-06D3-4280-B27C-90608A16B9D9}" type="presOf" srcId="{680E850D-EBD5-4B2E-91F2-98BBE1DD003D}" destId="{F0EB0EED-7C06-4F36-8A3E-414BEF20553A}" srcOrd="0" destOrd="0" presId="urn:microsoft.com/office/officeart/2005/8/layout/orgChart1"/>
-    <dgm:cxn modelId="{15DC5B4D-EB50-489F-845F-7F26DEB34BDD}" type="presOf" srcId="{8A59BC52-6C9B-416A-99C4-B8C3EA195C13}" destId="{C38BB48D-FF89-45F3-9482-FA0462AEF473}" srcOrd="1" destOrd="0" presId="urn:microsoft.com/office/officeart/2005/8/layout/orgChart1"/>
-    <dgm:cxn modelId="{94920326-8369-410F-9B11-31A95BD3216D}" type="presOf" srcId="{530E8221-362E-4FCD-A65F-24381E481991}" destId="{4982D171-CBE8-4F7E-81E4-6A22211D6A41}" srcOrd="1" destOrd="0" presId="urn:microsoft.com/office/officeart/2005/8/layout/orgChart1"/>
-    <dgm:cxn modelId="{22A268E6-A7B1-40FF-B6C0-A4A47D802381}" srcId="{AF325EB1-44DE-4CB4-897C-0CFC254ACE37}" destId="{34961101-92E4-4A2A-8A91-2BCB165E82B5}" srcOrd="0" destOrd="0" parTransId="{D417A909-D0ED-4C5B-A54F-E9852CF8B2B2}" sibTransId="{363F86B8-84A6-44FF-9DF2-E7AA85414616}"/>
-    <dgm:cxn modelId="{9642516C-84EE-4002-8289-64A03DA33027}" srcId="{B33E23E2-4F5D-4F94-938E-0E6B4A4D8EFD}" destId="{8A59BC52-6C9B-416A-99C4-B8C3EA195C13}" srcOrd="1" destOrd="0" parTransId="{680E850D-EBD5-4B2E-91F2-98BBE1DD003D}" sibTransId="{F2142884-D3EF-4FC0-9282-0E05B9A95E1F}"/>
-    <dgm:cxn modelId="{463658C3-3A32-4FEC-B9A0-29DE28DD518D}" type="presOf" srcId="{B0C88DA5-30A4-40EE-827B-F0810E76B977}" destId="{52B356F5-DF8B-4093-A380-85848097F276}" srcOrd="0" destOrd="0" presId="urn:microsoft.com/office/officeart/2005/8/layout/orgChart1"/>
-    <dgm:cxn modelId="{966B469F-ED4A-4528-B127-C068B9FAD072}" type="presOf" srcId="{AF325EB1-44DE-4CB4-897C-0CFC254ACE37}" destId="{27D2BBF8-E573-419F-A0E8-91B8C4384E08}" srcOrd="0" destOrd="0" presId="urn:microsoft.com/office/officeart/2005/8/layout/orgChart1"/>
-    <dgm:cxn modelId="{7BBCC87B-A38A-470A-AAB4-13AB4691F3C5}" type="presOf" srcId="{1726E5ED-123A-4A25-A0AD-8C02A7754830}" destId="{BB8DDC76-745B-4EE7-8163-BFF72C2E4DC9}" srcOrd="0" destOrd="0" presId="urn:microsoft.com/office/officeart/2005/8/layout/orgChart1"/>
-    <dgm:cxn modelId="{0EB19A84-6A20-462F-AA38-7D3754A968D8}" type="presOf" srcId="{34961101-92E4-4A2A-8A91-2BCB165E82B5}" destId="{8256FEA1-A75B-4D39-975C-B5D6F0419921}" srcOrd="1" destOrd="0" presId="urn:microsoft.com/office/officeart/2005/8/layout/orgChart1"/>
-    <dgm:cxn modelId="{C6CB07B0-BC6F-4328-A172-36E43DFD83DF}" srcId="{FDD46219-770C-41CF-A7C2-AEFDBB8E0345}" destId="{B0C88DA5-30A4-40EE-827B-F0810E76B977}" srcOrd="2" destOrd="0" parTransId="{14716572-1DCC-4E22-A6DD-437BDCCE9F63}" sibTransId="{966601EF-0886-4045-8BA8-2610543382D0}"/>
-    <dgm:cxn modelId="{DB9E4165-3F4C-4DCA-8ACF-CCAE546D7A60}" type="presOf" srcId="{B25EB86C-9920-4DA2-81B9-DDDCF30EEB9E}" destId="{3D3E7DFE-C616-40E4-A853-704509999E00}" srcOrd="0" destOrd="0" presId="urn:microsoft.com/office/officeart/2005/8/layout/orgChart1"/>
     <dgm:cxn modelId="{A5800EFD-975E-424B-BF02-0DA3407C5E31}" type="presParOf" srcId="{3D3E7DFE-C616-40E4-A853-704509999E00}" destId="{B43BEF35-A3DF-4D46-BE51-973F0E9ECE50}" srcOrd="0" destOrd="0" presId="urn:microsoft.com/office/officeart/2005/8/layout/orgChart1"/>
     <dgm:cxn modelId="{D0FFE209-04EC-40F3-8A79-66CD79E7B65A}" type="presParOf" srcId="{B43BEF35-A3DF-4D46-BE51-973F0E9ECE50}" destId="{D96ADB50-5FAD-4799-A07A-2F5F8CC16438}" srcOrd="0" destOrd="0" presId="urn:microsoft.com/office/officeart/2005/8/layout/orgChart1"/>
     <dgm:cxn modelId="{5375404F-E9AF-419A-A4AB-93B88B7A5115}" type="presParOf" srcId="{D96ADB50-5FAD-4799-A07A-2F5F8CC16438}" destId="{69FF92A8-C4F5-440F-B833-B57A27A606CF}" srcOrd="0" destOrd="0" presId="urn:microsoft.com/office/officeart/2005/8/layout/orgChart1"/>
@@ -7648,8 +7703,8 @@
     <dgm:cxn modelId="{68E00D40-1FA6-4DB5-B3D3-7DCBFE568222}" type="presOf" srcId="{6A0F6BD2-9B4B-4AB3-BB2A-2B48AB4534DE}" destId="{D4A60B13-9DAF-49BD-A710-6579461D213B}" srcOrd="0" destOrd="0" presId="urn:microsoft.com/office/officeart/2008/layout/HorizontalMultiLevelHierarchy"/>
     <dgm:cxn modelId="{2220E2BD-0423-4384-A0F8-D14335C0F2D2}" type="presOf" srcId="{3FE791B2-6BC7-42D7-8F72-12A54ED062C6}" destId="{2DE35FD0-D9D0-4C09-B9DA-3F5C89400729}" srcOrd="1" destOrd="0" presId="urn:microsoft.com/office/officeart/2008/layout/HorizontalMultiLevelHierarchy"/>
     <dgm:cxn modelId="{FB823CF2-7257-49B9-BB7E-D4521AD243F4}" srcId="{3619427A-CC40-4DAF-9C9E-1BF3A1C8D300}" destId="{46000050-9BF2-42D6-842E-ED6B18CF6C1C}" srcOrd="3" destOrd="0" parTransId="{46D5DC87-27FC-4A34-A8EA-D5AEB60D5C83}" sibTransId="{2D95ED27-E886-4DEE-B3B9-D4392F7ACEE0}"/>
+    <dgm:cxn modelId="{D1A7DB94-E0AE-4931-BA14-9C333B92958D}" type="presOf" srcId="{FFAFCDB9-7994-45DE-AF74-39D56EF00185}" destId="{C97191D1-86FA-4373-8265-D463DF53E9C1}" srcOrd="0" destOrd="0" presId="urn:microsoft.com/office/officeart/2008/layout/HorizontalMultiLevelHierarchy"/>
     <dgm:cxn modelId="{89F5F20D-DA23-4829-8D58-347C9411CFFF}" type="presOf" srcId="{F0ABE1F1-9B71-4709-AD2B-5F583ACA9C38}" destId="{3B468C34-9ED2-411F-A9BA-7A36D459A561}" srcOrd="0" destOrd="0" presId="urn:microsoft.com/office/officeart/2008/layout/HorizontalMultiLevelHierarchy"/>
-    <dgm:cxn modelId="{D1A7DB94-E0AE-4931-BA14-9C333B92958D}" type="presOf" srcId="{FFAFCDB9-7994-45DE-AF74-39D56EF00185}" destId="{C97191D1-86FA-4373-8265-D463DF53E9C1}" srcOrd="0" destOrd="0" presId="urn:microsoft.com/office/officeart/2008/layout/HorizontalMultiLevelHierarchy"/>
     <dgm:cxn modelId="{A8F1A84B-2CF1-4C66-B03C-64C7425968C1}" srcId="{2C0AB92A-87E2-4D88-B0FA-111589C7DCFB}" destId="{42489EA4-931C-44AE-9191-E6E15E1C1097}" srcOrd="0" destOrd="0" parTransId="{2CE9B085-3B7B-40B8-AC70-1BCE2FD948E8}" sibTransId="{3A4F8708-1D5A-49E4-9B51-66F671B05B63}"/>
     <dgm:cxn modelId="{38F7DD33-9152-46FC-9083-ADA47CE9D13E}" type="presOf" srcId="{F154E853-9459-4BCD-BA42-A92BFFA828A6}" destId="{6F59013E-ADE8-46B2-9501-7B0F5440323A}" srcOrd="1" destOrd="0" presId="urn:microsoft.com/office/officeart/2008/layout/HorizontalMultiLevelHierarchy"/>
     <dgm:cxn modelId="{69C9313E-3F2D-4578-92ED-E084C23EFB20}" type="presOf" srcId="{3A2D4EDB-8CC6-49F3-B3AC-F7362E4FE931}" destId="{49478094-1371-4FA8-91DA-F3AA199F56CA}" srcOrd="0" destOrd="0" presId="urn:microsoft.com/office/officeart/2008/layout/HorizontalMultiLevelHierarchy"/>
@@ -7687,10 +7742,10 @@
     <dgm:cxn modelId="{D895C5C5-EA6A-49A0-A598-93C3AB28C6D4}" type="presOf" srcId="{C9C81323-F412-43A7-AAC5-75B6AF5614D2}" destId="{4191249C-870B-4596-8AC8-C24F6155E4E7}" srcOrd="1" destOrd="0" presId="urn:microsoft.com/office/officeart/2008/layout/HorizontalMultiLevelHierarchy"/>
     <dgm:cxn modelId="{92EB9E61-4CA1-4718-BE25-2AFC2255E5DF}" type="presOf" srcId="{6F7F9B0F-9E1A-4CC3-AFDD-B4339D62816E}" destId="{AC0502F8-DAB2-4F1A-80F6-823B84EF6947}" srcOrd="0" destOrd="0" presId="urn:microsoft.com/office/officeart/2008/layout/HorizontalMultiLevelHierarchy"/>
     <dgm:cxn modelId="{0C8C08EE-D871-4420-8084-6E7CEE016BC2}" srcId="{3D14FC88-6CB5-4AF0-8FBD-D5B533CAC012}" destId="{AFBD073B-D2A4-45D5-AF03-49D19FBD23C6}" srcOrd="3" destOrd="0" parTransId="{356686CA-539C-428E-9AEC-A6AC0E861B30}" sibTransId="{0063DEE7-CC11-4ADF-8149-E392C414EC83}"/>
+    <dgm:cxn modelId="{F0863F32-4184-416F-B1D2-4100CAE5B761}" type="presOf" srcId="{33CD05AE-93E5-4DBF-B20A-DF2D88D95208}" destId="{C61D7F64-BF95-4B25-93C0-F61B3F72ACB2}" srcOrd="0" destOrd="0" presId="urn:microsoft.com/office/officeart/2008/layout/HorizontalMultiLevelHierarchy"/>
     <dgm:cxn modelId="{E25DD341-F9D6-4094-9DEB-55A79B5CBB85}" srcId="{3D14FC88-6CB5-4AF0-8FBD-D5B533CAC012}" destId="{F0ABE1F1-9B71-4709-AD2B-5F583ACA9C38}" srcOrd="2" destOrd="0" parTransId="{F154E853-9459-4BCD-BA42-A92BFFA828A6}" sibTransId="{9BFD514C-B64B-4BEB-809F-4ABBFE46E81A}"/>
-    <dgm:cxn modelId="{F0863F32-4184-416F-B1D2-4100CAE5B761}" type="presOf" srcId="{33CD05AE-93E5-4DBF-B20A-DF2D88D95208}" destId="{C61D7F64-BF95-4B25-93C0-F61B3F72ACB2}" srcOrd="0" destOrd="0" presId="urn:microsoft.com/office/officeart/2008/layout/HorizontalMultiLevelHierarchy"/>
+    <dgm:cxn modelId="{41E59F6A-9945-48E1-9B87-B87EC1781138}" type="presOf" srcId="{54653930-314D-4CF3-B05E-82E766716A88}" destId="{4BF02253-C164-49A3-AF7E-4619864DADE5}" srcOrd="0" destOrd="0" presId="urn:microsoft.com/office/officeart/2008/layout/HorizontalMultiLevelHierarchy"/>
     <dgm:cxn modelId="{9D49733F-DAF9-47D3-AFBA-209E60BACE71}" type="presOf" srcId="{46000050-9BF2-42D6-842E-ED6B18CF6C1C}" destId="{D9475492-13B8-459D-A954-CC092ABEA7A9}" srcOrd="0" destOrd="0" presId="urn:microsoft.com/office/officeart/2008/layout/HorizontalMultiLevelHierarchy"/>
-    <dgm:cxn modelId="{41E59F6A-9945-48E1-9B87-B87EC1781138}" type="presOf" srcId="{54653930-314D-4CF3-B05E-82E766716A88}" destId="{4BF02253-C164-49A3-AF7E-4619864DADE5}" srcOrd="0" destOrd="0" presId="urn:microsoft.com/office/officeart/2008/layout/HorizontalMultiLevelHierarchy"/>
     <dgm:cxn modelId="{9A6B954E-7C57-4F92-8ECA-9D7413CF3470}" type="presOf" srcId="{C64BDD73-A9D4-4DD9-B038-E2737E375D70}" destId="{2F9F47F8-9E65-4802-A721-A6037E359A7E}" srcOrd="0" destOrd="0" presId="urn:microsoft.com/office/officeart/2008/layout/HorizontalMultiLevelHierarchy"/>
     <dgm:cxn modelId="{C8AFD0F9-964A-4B33-B549-66B691C3A22A}" type="presOf" srcId="{46D5DC87-27FC-4A34-A8EA-D5AEB60D5C83}" destId="{4CD9EA02-822F-4A4D-9DA1-2155A3EC7D1F}" srcOrd="1" destOrd="0" presId="urn:microsoft.com/office/officeart/2008/layout/HorizontalMultiLevelHierarchy"/>
     <dgm:cxn modelId="{83895140-E432-4575-9F6C-7D40E2C62F1C}" srcId="{3D14FC88-6CB5-4AF0-8FBD-D5B533CAC012}" destId="{C267D630-5768-40EE-8214-BCB327E3387A}" srcOrd="4" destOrd="0" parTransId="{54653930-314D-4CF3-B05E-82E766716A88}" sibTransId="{92216F78-B526-4C55-A57B-99330EF00330}"/>
@@ -8066,6 +8121,13 @@
         </dgm:presLayoutVars>
       </dgm:prSet>
       <dgm:spPr/>
+      <dgm:t>
+        <a:bodyPr/>
+        <a:lstStyle/>
+        <a:p>
+          <a:endParaRPr lang="en-US"/>
+        </a:p>
+      </dgm:t>
     </dgm:pt>
     <dgm:pt modelId="{A6E0096C-13B0-41ED-9B45-2D9744574358}" type="pres">
       <dgm:prSet presAssocID="{67DA616E-E018-4865-8C33-E0A9DB016241}" presName="parentText" presStyleLbl="node1" presStyleIdx="0" presStyleCnt="4">
@@ -8075,6 +8137,13 @@
         </dgm:presLayoutVars>
       </dgm:prSet>
       <dgm:spPr/>
+      <dgm:t>
+        <a:bodyPr/>
+        <a:lstStyle/>
+        <a:p>
+          <a:endParaRPr lang="en-US"/>
+        </a:p>
+      </dgm:t>
     </dgm:pt>
     <dgm:pt modelId="{C5D219ED-E46E-4B72-8B93-9E2E234BBE15}" type="pres">
       <dgm:prSet presAssocID="{67DA616E-E018-4865-8C33-E0A9DB016241}" presName="childText" presStyleLbl="revTx" presStyleIdx="0" presStyleCnt="2">
@@ -8099,6 +8168,13 @@
         </dgm:presLayoutVars>
       </dgm:prSet>
       <dgm:spPr/>
+      <dgm:t>
+        <a:bodyPr/>
+        <a:lstStyle/>
+        <a:p>
+          <a:endParaRPr lang="en-US"/>
+        </a:p>
+      </dgm:t>
     </dgm:pt>
     <dgm:pt modelId="{926B805A-98B8-45E7-8816-B52BC4096233}" type="pres">
       <dgm:prSet presAssocID="{38085F18-E67D-45AD-B7FE-07223A88303D}" presName="childText" presStyleLbl="revTx" presStyleIdx="1" presStyleCnt="2">
@@ -8107,6 +8183,13 @@
         </dgm:presLayoutVars>
       </dgm:prSet>
       <dgm:spPr/>
+      <dgm:t>
+        <a:bodyPr/>
+        <a:lstStyle/>
+        <a:p>
+          <a:endParaRPr lang="en-US"/>
+        </a:p>
+      </dgm:t>
     </dgm:pt>
     <dgm:pt modelId="{F86A4EC0-A4B8-48CA-8DEE-D93F947DB5C3}" type="pres">
       <dgm:prSet presAssocID="{E6936F47-7D16-4EBE-9092-5279738EAF6E}" presName="parentText" presStyleLbl="node1" presStyleIdx="2" presStyleCnt="4">
@@ -8116,6 +8199,13 @@
         </dgm:presLayoutVars>
       </dgm:prSet>
       <dgm:spPr/>
+      <dgm:t>
+        <a:bodyPr/>
+        <a:lstStyle/>
+        <a:p>
+          <a:endParaRPr lang="en-US"/>
+        </a:p>
+      </dgm:t>
     </dgm:pt>
     <dgm:pt modelId="{B4A9FAEC-2B69-4C2E-A890-0D62A90B188C}" type="pres">
       <dgm:prSet presAssocID="{29D7B0A4-CD53-4B82-A753-8C08ECD2F9BC}" presName="spacer" presStyleCnt="0"/>
@@ -8129,25 +8219,32 @@
         </dgm:presLayoutVars>
       </dgm:prSet>
       <dgm:spPr/>
+      <dgm:t>
+        <a:bodyPr/>
+        <a:lstStyle/>
+        <a:p>
+          <a:endParaRPr lang="en-US"/>
+        </a:p>
+      </dgm:t>
     </dgm:pt>
   </dgm:ptLst>
   <dgm:cxnLst>
-    <dgm:cxn modelId="{FA234E3A-352C-482C-B55B-497C681D0E3C}" srcId="{38085F18-E67D-45AD-B7FE-07223A88303D}" destId="{DE6A8E7A-1437-4FA9-8D64-885E01C5FAD7}" srcOrd="1" destOrd="0" parTransId="{CB9A5214-BF1A-4AD0-89BF-1B2B6A9FBFCA}" sibTransId="{F7EDCCF5-E57D-4CD7-9629-71D9067EE97D}"/>
-    <dgm:cxn modelId="{D26FBAAA-80AE-4EF9-BFAE-65B8F59E93B2}" type="presOf" srcId="{DE6A8E7A-1437-4FA9-8D64-885E01C5FAD7}" destId="{926B805A-98B8-45E7-8816-B52BC4096233}" srcOrd="0" destOrd="1" presId="urn:microsoft.com/office/officeart/2005/8/layout/vList2"/>
-    <dgm:cxn modelId="{3DCC281B-5203-4116-8BD4-0C5EACDA635E}" srcId="{67DA616E-E018-4865-8C33-E0A9DB016241}" destId="{10956362-067F-4B8E-A5E4-A67755C30D8C}" srcOrd="0" destOrd="0" parTransId="{43BB1ACD-2C12-46B4-AE26-A819EFAE0AAC}" sibTransId="{BA735AF8-0DEA-4307-9A32-564198CF88E0}"/>
-    <dgm:cxn modelId="{D6958D90-22E2-41C3-BD3A-1E2C00479D5C}" type="presOf" srcId="{0AE19B6B-09B4-4777-B864-F1207C7613B8}" destId="{C5D219ED-E46E-4B72-8B93-9E2E234BBE15}" srcOrd="0" destOrd="1" presId="urn:microsoft.com/office/officeart/2005/8/layout/vList2"/>
+    <dgm:cxn modelId="{318158B7-A613-46C7-A8FF-ADD57A8A2D3F}" type="presOf" srcId="{EAA90CAF-8A29-4F85-9E33-FB69E7A76875}" destId="{E47A32A6-2B77-459D-B4DF-B78F86F43548}" srcOrd="0" destOrd="0" presId="urn:microsoft.com/office/officeart/2005/8/layout/vList2"/>
+    <dgm:cxn modelId="{BBF682AC-FDBF-4025-92C4-F78CF8AEBAF5}" srcId="{65B5039D-3DD5-4BCF-90E3-984A28501190}" destId="{EAA90CAF-8A29-4F85-9E33-FB69E7A76875}" srcOrd="3" destOrd="0" parTransId="{4B3F6469-615A-45EB-A6CD-03963747371E}" sibTransId="{AE76D3A9-B95B-4ACE-BB3B-47909C1A540B}"/>
+    <dgm:cxn modelId="{BE94BBBD-321B-48BC-A6FA-5005821E4AF6}" type="presOf" srcId="{38085F18-E67D-45AD-B7FE-07223A88303D}" destId="{858A9DC3-938E-41D7-8EBA-9FA94612FD1A}" srcOrd="0" destOrd="0" presId="urn:microsoft.com/office/officeart/2005/8/layout/vList2"/>
     <dgm:cxn modelId="{DCAD3009-BAA3-4169-A8A8-91B943E63396}" srcId="{65B5039D-3DD5-4BCF-90E3-984A28501190}" destId="{E6936F47-7D16-4EBE-9092-5279738EAF6E}" srcOrd="2" destOrd="0" parTransId="{A8F60EAD-BE56-4981-AAD6-30C2DB20E2FB}" sibTransId="{29D7B0A4-CD53-4B82-A753-8C08ECD2F9BC}"/>
-    <dgm:cxn modelId="{537D36AF-1AD7-422C-A010-81D58F86BD6A}" type="presOf" srcId="{46EDE161-FA5D-442E-B04B-2F7A1C49D92D}" destId="{926B805A-98B8-45E7-8816-B52BC4096233}" srcOrd="0" destOrd="0" presId="urn:microsoft.com/office/officeart/2005/8/layout/vList2"/>
     <dgm:cxn modelId="{A6920825-5A2D-4DE5-B3AA-BA6917483061}" srcId="{38085F18-E67D-45AD-B7FE-07223A88303D}" destId="{46EDE161-FA5D-442E-B04B-2F7A1C49D92D}" srcOrd="0" destOrd="0" parTransId="{234F02B3-44D1-4C1B-BDF6-85DFAD7DE92E}" sibTransId="{D165564A-D3BB-4D6D-98FF-B1982589F1B9}"/>
-    <dgm:cxn modelId="{BE94BBBD-321B-48BC-A6FA-5005821E4AF6}" type="presOf" srcId="{38085F18-E67D-45AD-B7FE-07223A88303D}" destId="{858A9DC3-938E-41D7-8EBA-9FA94612FD1A}" srcOrd="0" destOrd="0" presId="urn:microsoft.com/office/officeart/2005/8/layout/vList2"/>
+    <dgm:cxn modelId="{A4B9B47B-61E9-49F9-AD3D-028C549494F7}" srcId="{65B5039D-3DD5-4BCF-90E3-984A28501190}" destId="{67DA616E-E018-4865-8C33-E0A9DB016241}" srcOrd="0" destOrd="0" parTransId="{2E77CB0A-49C6-4D9D-90F3-DD7FEDF42ED1}" sibTransId="{85FAE229-D888-4007-B4E2-8DA9907F3E53}"/>
     <dgm:cxn modelId="{24BD2125-0AF3-400D-A735-7DE332D9F1F7}" type="presOf" srcId="{E6936F47-7D16-4EBE-9092-5279738EAF6E}" destId="{F86A4EC0-A4B8-48CA-8DEE-D93F947DB5C3}" srcOrd="0" destOrd="0" presId="urn:microsoft.com/office/officeart/2005/8/layout/vList2"/>
-    <dgm:cxn modelId="{318158B7-A613-46C7-A8FF-ADD57A8A2D3F}" type="presOf" srcId="{EAA90CAF-8A29-4F85-9E33-FB69E7A76875}" destId="{E47A32A6-2B77-459D-B4DF-B78F86F43548}" srcOrd="0" destOrd="0" presId="urn:microsoft.com/office/officeart/2005/8/layout/vList2"/>
-    <dgm:cxn modelId="{C88D1295-30D5-40E1-99C2-9C0183724237}" type="presOf" srcId="{67DA616E-E018-4865-8C33-E0A9DB016241}" destId="{A6E0096C-13B0-41ED-9B45-2D9744574358}" srcOrd="0" destOrd="0" presId="urn:microsoft.com/office/officeart/2005/8/layout/vList2"/>
     <dgm:cxn modelId="{5DE06E27-CB2F-4146-A900-6EF025666E6D}" type="presOf" srcId="{10956362-067F-4B8E-A5E4-A67755C30D8C}" destId="{C5D219ED-E46E-4B72-8B93-9E2E234BBE15}" srcOrd="0" destOrd="0" presId="urn:microsoft.com/office/officeart/2005/8/layout/vList2"/>
     <dgm:cxn modelId="{9668A7BA-1633-45F8-A88D-C8D8D709CEFB}" type="presOf" srcId="{65B5039D-3DD5-4BCF-90E3-984A28501190}" destId="{81926E20-A73E-4248-BF9C-41B1C81E2EAA}" srcOrd="0" destOrd="0" presId="urn:microsoft.com/office/officeart/2005/8/layout/vList2"/>
-    <dgm:cxn modelId="{A4B9B47B-61E9-49F9-AD3D-028C549494F7}" srcId="{65B5039D-3DD5-4BCF-90E3-984A28501190}" destId="{67DA616E-E018-4865-8C33-E0A9DB016241}" srcOrd="0" destOrd="0" parTransId="{2E77CB0A-49C6-4D9D-90F3-DD7FEDF42ED1}" sibTransId="{85FAE229-D888-4007-B4E2-8DA9907F3E53}"/>
-    <dgm:cxn modelId="{BBF682AC-FDBF-4025-92C4-F78CF8AEBAF5}" srcId="{65B5039D-3DD5-4BCF-90E3-984A28501190}" destId="{EAA90CAF-8A29-4F85-9E33-FB69E7A76875}" srcOrd="3" destOrd="0" parTransId="{4B3F6469-615A-45EB-A6CD-03963747371E}" sibTransId="{AE76D3A9-B95B-4ACE-BB3B-47909C1A540B}"/>
+    <dgm:cxn modelId="{3DCC281B-5203-4116-8BD4-0C5EACDA635E}" srcId="{67DA616E-E018-4865-8C33-E0A9DB016241}" destId="{10956362-067F-4B8E-A5E4-A67755C30D8C}" srcOrd="0" destOrd="0" parTransId="{43BB1ACD-2C12-46B4-AE26-A819EFAE0AAC}" sibTransId="{BA735AF8-0DEA-4307-9A32-564198CF88E0}"/>
+    <dgm:cxn modelId="{FA234E3A-352C-482C-B55B-497C681D0E3C}" srcId="{38085F18-E67D-45AD-B7FE-07223A88303D}" destId="{DE6A8E7A-1437-4FA9-8D64-885E01C5FAD7}" srcOrd="1" destOrd="0" parTransId="{CB9A5214-BF1A-4AD0-89BF-1B2B6A9FBFCA}" sibTransId="{F7EDCCF5-E57D-4CD7-9629-71D9067EE97D}"/>
+    <dgm:cxn modelId="{C88D1295-30D5-40E1-99C2-9C0183724237}" type="presOf" srcId="{67DA616E-E018-4865-8C33-E0A9DB016241}" destId="{A6E0096C-13B0-41ED-9B45-2D9744574358}" srcOrd="0" destOrd="0" presId="urn:microsoft.com/office/officeart/2005/8/layout/vList2"/>
+    <dgm:cxn modelId="{D26FBAAA-80AE-4EF9-BFAE-65B8F59E93B2}" type="presOf" srcId="{DE6A8E7A-1437-4FA9-8D64-885E01C5FAD7}" destId="{926B805A-98B8-45E7-8816-B52BC4096233}" srcOrd="0" destOrd="1" presId="urn:microsoft.com/office/officeart/2005/8/layout/vList2"/>
+    <dgm:cxn modelId="{537D36AF-1AD7-422C-A010-81D58F86BD6A}" type="presOf" srcId="{46EDE161-FA5D-442E-B04B-2F7A1C49D92D}" destId="{926B805A-98B8-45E7-8816-B52BC4096233}" srcOrd="0" destOrd="0" presId="urn:microsoft.com/office/officeart/2005/8/layout/vList2"/>
     <dgm:cxn modelId="{DA5B8484-0ECE-4891-B241-64759AA94314}" srcId="{67DA616E-E018-4865-8C33-E0A9DB016241}" destId="{0AE19B6B-09B4-4777-B864-F1207C7613B8}" srcOrd="1" destOrd="0" parTransId="{12570CA3-C810-4B97-B865-E17E5B3ED274}" sibTransId="{E2D763C5-FF31-474D-9C27-0A1F9AE324FA}"/>
+    <dgm:cxn modelId="{D6958D90-22E2-41C3-BD3A-1E2C00479D5C}" type="presOf" srcId="{0AE19B6B-09B4-4777-B864-F1207C7613B8}" destId="{C5D219ED-E46E-4B72-8B93-9E2E234BBE15}" srcOrd="0" destOrd="1" presId="urn:microsoft.com/office/officeart/2005/8/layout/vList2"/>
     <dgm:cxn modelId="{166A9B37-A48B-4F74-B8D2-00DF47289FA1}" srcId="{65B5039D-3DD5-4BCF-90E3-984A28501190}" destId="{38085F18-E67D-45AD-B7FE-07223A88303D}" srcOrd="1" destOrd="0" parTransId="{08C3F557-48E7-4A60-911F-3C2F3871513C}" sibTransId="{807C2131-572D-48B7-ACDB-55A3715B990D}"/>
     <dgm:cxn modelId="{6971797C-D5CF-4E6D-9914-502D7E5FD088}" type="presParOf" srcId="{81926E20-A73E-4248-BF9C-41B1C81E2EAA}" destId="{A6E0096C-13B0-41ED-9B45-2D9744574358}" srcOrd="0" destOrd="0" presId="urn:microsoft.com/office/officeart/2005/8/layout/vList2"/>
     <dgm:cxn modelId="{78A3E05D-0A3B-48E6-B59B-AF491E37C0F6}" type="presParOf" srcId="{81926E20-A73E-4248-BF9C-41B1C81E2EAA}" destId="{C5D219ED-E46E-4B72-8B93-9E2E234BBE15}" srcOrd="1" destOrd="0" presId="urn:microsoft.com/office/officeart/2005/8/layout/vList2"/>
@@ -9742,12 +9839,12 @@
         </a:fontRef>
       </dsp:style>
       <dsp:txBody>
-        <a:bodyPr spcFirstLastPara="0" vert="horz" wrap="square" lIns="8890" tIns="8890" rIns="8890" bIns="8890" numCol="1" spcCol="1270" anchor="ctr" anchorCtr="0">
+        <a:bodyPr spcFirstLastPara="0" vert="horz" wrap="square" lIns="7620" tIns="7620" rIns="7620" bIns="7620" numCol="1" spcCol="1270" anchor="ctr" anchorCtr="0">
           <a:noAutofit/>
         </a:bodyPr>
         <a:lstStyle/>
         <a:p>
-          <a:pPr lvl="0" algn="ctr" defTabSz="622300">
+          <a:pPr lvl="0" algn="ctr" defTabSz="533400">
             <a:lnSpc>
               <a:spcPct val="90000"/>
             </a:lnSpc>
@@ -9759,10 +9856,10 @@
             </a:spcAft>
           </a:pPr>
           <a:r>
-            <a:rPr lang="en-US" sz="1400" kern="1200" dirty="0" smtClean="0"/>
+            <a:rPr lang="en-US" sz="1200" kern="1200" dirty="0" smtClean="0"/>
             <a:t>ACTN VN</a:t>
           </a:r>
-          <a:endParaRPr lang="en-IN" sz="1400" kern="1200" dirty="0"/>
+          <a:endParaRPr lang="en-IN" sz="1200" kern="1200" dirty="0"/>
         </a:p>
       </dsp:txBody>
       <dsp:txXfrm>
@@ -9819,12 +9916,12 @@
         </a:fontRef>
       </dsp:style>
       <dsp:txBody>
-        <a:bodyPr spcFirstLastPara="0" vert="horz" wrap="square" lIns="8890" tIns="8890" rIns="8890" bIns="8890" numCol="1" spcCol="1270" anchor="ctr" anchorCtr="0">
+        <a:bodyPr spcFirstLastPara="0" vert="horz" wrap="square" lIns="7620" tIns="7620" rIns="7620" bIns="7620" numCol="1" spcCol="1270" anchor="ctr" anchorCtr="0">
           <a:noAutofit/>
         </a:bodyPr>
         <a:lstStyle/>
         <a:p>
-          <a:pPr lvl="0" algn="ctr" defTabSz="622300">
+          <a:pPr lvl="0" algn="ctr" defTabSz="533400">
             <a:lnSpc>
               <a:spcPct val="90000"/>
             </a:lnSpc>
@@ -9836,10 +9933,10 @@
             </a:spcAft>
           </a:pPr>
           <a:r>
-            <a:rPr lang="en-US" sz="1400" kern="1200" dirty="0" smtClean="0"/>
+            <a:rPr lang="en-US" sz="1200" kern="1200" dirty="0" smtClean="0"/>
             <a:t>AP</a:t>
           </a:r>
-          <a:endParaRPr lang="en-IN" sz="1400" kern="1200" dirty="0"/>
+          <a:endParaRPr lang="en-IN" sz="1200" kern="1200" dirty="0"/>
         </a:p>
       </dsp:txBody>
       <dsp:txXfrm>
@@ -9896,12 +9993,12 @@
         </a:fontRef>
       </dsp:style>
       <dsp:txBody>
-        <a:bodyPr spcFirstLastPara="0" vert="horz" wrap="square" lIns="8890" tIns="8890" rIns="8890" bIns="8890" numCol="1" spcCol="1270" anchor="ctr" anchorCtr="0">
+        <a:bodyPr spcFirstLastPara="0" vert="horz" wrap="square" lIns="7620" tIns="7620" rIns="7620" bIns="7620" numCol="1" spcCol="1270" anchor="ctr" anchorCtr="0">
           <a:noAutofit/>
         </a:bodyPr>
         <a:lstStyle/>
         <a:p>
-          <a:pPr lvl="0" algn="ctr" defTabSz="622300">
+          <a:pPr lvl="0" algn="ctr" defTabSz="533400">
             <a:lnSpc>
               <a:spcPct val="90000"/>
             </a:lnSpc>
@@ -9913,10 +10010,10 @@
             </a:spcAft>
           </a:pPr>
           <a:r>
-            <a:rPr lang="en-US" sz="1400" kern="1200" dirty="0" smtClean="0"/>
+            <a:rPr lang="en-US" sz="1200" kern="1200" dirty="0" smtClean="0"/>
             <a:t>VNAP</a:t>
           </a:r>
-          <a:endParaRPr lang="en-IN" sz="1400" kern="1200" dirty="0"/>
+          <a:endParaRPr lang="en-IN" sz="1200" kern="1200" dirty="0"/>
         </a:p>
       </dsp:txBody>
       <dsp:txXfrm>
@@ -9973,12 +10070,12 @@
         </a:fontRef>
       </dsp:style>
       <dsp:txBody>
-        <a:bodyPr spcFirstLastPara="0" vert="horz" wrap="square" lIns="8890" tIns="8890" rIns="8890" bIns="8890" numCol="1" spcCol="1270" anchor="ctr" anchorCtr="0">
+        <a:bodyPr spcFirstLastPara="0" vert="horz" wrap="square" lIns="7620" tIns="7620" rIns="7620" bIns="7620" numCol="1" spcCol="1270" anchor="ctr" anchorCtr="0">
           <a:noAutofit/>
         </a:bodyPr>
         <a:lstStyle/>
         <a:p>
-          <a:pPr lvl="0" algn="ctr" defTabSz="622300">
+          <a:pPr lvl="0" algn="ctr" defTabSz="533400">
             <a:lnSpc>
               <a:spcPct val="90000"/>
             </a:lnSpc>
@@ -9990,10 +10087,10 @@
             </a:spcAft>
           </a:pPr>
           <a:r>
-            <a:rPr lang="en-US" sz="1400" kern="1200" dirty="0" smtClean="0"/>
+            <a:rPr lang="en-US" sz="1200" kern="1200" dirty="0" smtClean="0"/>
             <a:t>VN</a:t>
           </a:r>
-          <a:endParaRPr lang="en-IN" sz="1400" kern="1200" dirty="0"/>
+          <a:endParaRPr lang="en-IN" sz="1200" kern="1200" dirty="0"/>
         </a:p>
       </dsp:txBody>
       <dsp:txXfrm>
@@ -10050,12 +10147,12 @@
         </a:fontRef>
       </dsp:style>
       <dsp:txBody>
-        <a:bodyPr spcFirstLastPara="0" vert="horz" wrap="square" lIns="8890" tIns="8890" rIns="8890" bIns="8890" numCol="1" spcCol="1270" anchor="ctr" anchorCtr="0">
+        <a:bodyPr spcFirstLastPara="0" vert="horz" wrap="square" lIns="7620" tIns="7620" rIns="7620" bIns="7620" numCol="1" spcCol="1270" anchor="ctr" anchorCtr="0">
           <a:noAutofit/>
         </a:bodyPr>
         <a:lstStyle/>
         <a:p>
-          <a:pPr lvl="0" algn="ctr" defTabSz="622300">
+          <a:pPr lvl="0" algn="ctr" defTabSz="533400">
             <a:lnSpc>
               <a:spcPct val="90000"/>
             </a:lnSpc>
@@ -10067,10 +10164,10 @@
             </a:spcAft>
           </a:pPr>
           <a:r>
-            <a:rPr lang="en-US" sz="1400" kern="1200" dirty="0" smtClean="0"/>
+            <a:rPr lang="en-US" sz="1200" kern="1200" dirty="0" smtClean="0"/>
             <a:t>VN-Member</a:t>
           </a:r>
-          <a:endParaRPr lang="en-IN" sz="1400" kern="1200" dirty="0"/>
+          <a:endParaRPr lang="en-IN" sz="1200" kern="1200" dirty="0"/>
         </a:p>
       </dsp:txBody>
       <dsp:txXfrm>
@@ -10127,12 +10224,12 @@
         </a:fontRef>
       </dsp:style>
       <dsp:txBody>
-        <a:bodyPr spcFirstLastPara="0" vert="horz" wrap="square" lIns="8890" tIns="8890" rIns="8890" bIns="8890" numCol="1" spcCol="1270" anchor="ctr" anchorCtr="0">
+        <a:bodyPr spcFirstLastPara="0" vert="horz" wrap="square" lIns="7620" tIns="7620" rIns="7620" bIns="7620" numCol="1" spcCol="1270" anchor="ctr" anchorCtr="0">
           <a:noAutofit/>
         </a:bodyPr>
         <a:lstStyle/>
         <a:p>
-          <a:pPr lvl="0" algn="ctr" defTabSz="622300">
+          <a:pPr lvl="0" algn="ctr" defTabSz="533400">
             <a:lnSpc>
               <a:spcPct val="90000"/>
             </a:lnSpc>
@@ -10144,10 +10241,10 @@
             </a:spcAft>
           </a:pPr>
           <a:r>
-            <a:rPr lang="en-US" sz="1400" kern="1200" dirty="0" smtClean="0"/>
+            <a:rPr lang="en-US" sz="1200" kern="1200" dirty="0" smtClean="0"/>
             <a:t>From</a:t>
           </a:r>
-          <a:endParaRPr lang="en-IN" sz="1400" kern="1200" dirty="0"/>
+          <a:endParaRPr lang="en-IN" sz="1200" kern="1200" dirty="0"/>
         </a:p>
       </dsp:txBody>
       <dsp:txXfrm>
@@ -10204,12 +10301,12 @@
         </a:fontRef>
       </dsp:style>
       <dsp:txBody>
-        <a:bodyPr spcFirstLastPara="0" vert="horz" wrap="square" lIns="8890" tIns="8890" rIns="8890" bIns="8890" numCol="1" spcCol="1270" anchor="ctr" anchorCtr="0">
+        <a:bodyPr spcFirstLastPara="0" vert="horz" wrap="square" lIns="7620" tIns="7620" rIns="7620" bIns="7620" numCol="1" spcCol="1270" anchor="ctr" anchorCtr="0">
           <a:noAutofit/>
         </a:bodyPr>
         <a:lstStyle/>
         <a:p>
-          <a:pPr lvl="0" algn="ctr" defTabSz="622300">
+          <a:pPr lvl="0" algn="ctr" defTabSz="533400">
             <a:lnSpc>
               <a:spcPct val="90000"/>
             </a:lnSpc>
@@ -10221,10 +10318,10 @@
             </a:spcAft>
           </a:pPr>
           <a:r>
-            <a:rPr lang="en-US" sz="1400" kern="1200" smtClean="0"/>
+            <a:rPr lang="en-US" sz="1200" kern="1200" smtClean="0"/>
             <a:t>To</a:t>
           </a:r>
-          <a:endParaRPr lang="en-IN" sz="1400" kern="1200" dirty="0"/>
+          <a:endParaRPr lang="en-IN" sz="1200" kern="1200" dirty="0"/>
         </a:p>
       </dsp:txBody>
       <dsp:txXfrm>
@@ -10281,12 +10378,12 @@
         </a:fontRef>
       </dsp:style>
       <dsp:txBody>
-        <a:bodyPr spcFirstLastPara="0" vert="horz" wrap="square" lIns="8890" tIns="8890" rIns="8890" bIns="8890" numCol="1" spcCol="1270" anchor="ctr" anchorCtr="0">
+        <a:bodyPr spcFirstLastPara="0" vert="horz" wrap="square" lIns="7620" tIns="7620" rIns="7620" bIns="7620" numCol="1" spcCol="1270" anchor="ctr" anchorCtr="0">
           <a:noAutofit/>
         </a:bodyPr>
         <a:lstStyle/>
         <a:p>
-          <a:pPr lvl="0" algn="ctr" defTabSz="622300">
+          <a:pPr lvl="0" algn="ctr" defTabSz="533400">
             <a:lnSpc>
               <a:spcPct val="90000"/>
             </a:lnSpc>
@@ -10298,10 +10395,10 @@
             </a:spcAft>
           </a:pPr>
           <a:r>
-            <a:rPr lang="en-US" sz="1400" kern="1200" dirty="0" smtClean="0"/>
+            <a:rPr lang="en-US" sz="1200" kern="1200" dirty="0" smtClean="0"/>
             <a:t>Constraints?</a:t>
           </a:r>
-          <a:endParaRPr lang="en-IN" sz="1400" kern="1200" dirty="0"/>
+          <a:endParaRPr lang="en-IN" sz="1200" kern="1200" dirty="0"/>
         </a:p>
       </dsp:txBody>
       <dsp:txXfrm>
@@ -10358,12 +10455,12 @@
         </a:fontRef>
       </dsp:style>
       <dsp:txBody>
-        <a:bodyPr spcFirstLastPara="0" vert="horz" wrap="square" lIns="8890" tIns="8890" rIns="8890" bIns="8890" numCol="1" spcCol="1270" anchor="ctr" anchorCtr="0">
+        <a:bodyPr spcFirstLastPara="0" vert="horz" wrap="square" lIns="7620" tIns="7620" rIns="7620" bIns="7620" numCol="1" spcCol="1270" anchor="ctr" anchorCtr="0">
           <a:noAutofit/>
         </a:bodyPr>
         <a:lstStyle/>
         <a:p>
-          <a:pPr lvl="0" algn="ctr" defTabSz="622300">
+          <a:pPr lvl="0" algn="ctr" defTabSz="533400">
             <a:lnSpc>
               <a:spcPct val="90000"/>
             </a:lnSpc>
@@ -10375,10 +10472,10 @@
             </a:spcAft>
           </a:pPr>
           <a:r>
-            <a:rPr lang="en-US" sz="1400" kern="1200" dirty="0" smtClean="0"/>
-            <a:t>Policy?</a:t>
+            <a:rPr lang="en-US" sz="1200" kern="1200" dirty="0" smtClean="0"/>
+            <a:t>Optimization?</a:t>
           </a:r>
-          <a:endParaRPr lang="en-IN" sz="1400" kern="1200" dirty="0"/>
+          <a:endParaRPr lang="en-IN" sz="1200" kern="1200" dirty="0"/>
         </a:p>
       </dsp:txBody>
       <dsp:txXfrm>
@@ -21074,7 +21171,7 @@
           <a:p>
             <a:fld id="{CF8C66D5-35F2-4B2B-B66A-28018F619124}" type="datetimeFigureOut">
               <a:rPr lang="en-US" smtClean="0"/>
-              <a:t>3/16/2018</a:t>
+              <a:t>3/17/2018</a:t>
             </a:fld>
             <a:endParaRPr lang="en-US"/>
           </a:p>
@@ -21239,7 +21336,7 @@
           <a:p>
             <a:fld id="{654B7E8A-1102-47A1-B1C3-36AE88809383}" type="datetimeFigureOut">
               <a:rPr lang="en-US" smtClean="0"/>
-              <a:t>3/16/2018</a:t>
+              <a:t>3/17/2018</a:t>
             </a:fld>
             <a:endParaRPr lang="en-US"/>
           </a:p>
@@ -22034,7 +22131,7 @@
           <a:p>
             <a:fld id="{60CB9C0B-0B66-452E-9F13-5AD055819027}" type="datetime1">
               <a:rPr lang="en-US" smtClean="0"/>
-              <a:t>3/16/2018</a:t>
+              <a:t>3/17/2018</a:t>
             </a:fld>
             <a:endParaRPr lang="en-US"/>
           </a:p>
@@ -22285,7 +22382,7 @@
           <a:p>
             <a:fld id="{AA0E3C46-2ECA-44FC-A6DB-D70BDA5A7F31}" type="datetime1">
               <a:rPr lang="en-US" smtClean="0"/>
-              <a:t>3/16/2018</a:t>
+              <a:t>3/17/2018</a:t>
             </a:fld>
             <a:endParaRPr lang="en-US"/>
           </a:p>
@@ -22536,7 +22633,7 @@
           <a:p>
             <a:fld id="{FC28E30A-A752-4C35-8437-039670E418D0}" type="datetime1">
               <a:rPr lang="en-US" smtClean="0"/>
-              <a:t>3/16/2018</a:t>
+              <a:t>3/17/2018</a:t>
             </a:fld>
             <a:endParaRPr lang="en-US"/>
           </a:p>
@@ -22787,7 +22884,7 @@
           <a:p>
             <a:fld id="{AE0DB52C-3F7C-4D43-A0A6-A3A486F6B6C6}" type="datetime1">
               <a:rPr lang="en-US" smtClean="0"/>
-              <a:t>3/16/2018</a:t>
+              <a:t>3/17/2018</a:t>
             </a:fld>
             <a:endParaRPr lang="en-US"/>
           </a:p>
@@ -23050,7 +23147,7 @@
           <a:p>
             <a:fld id="{CC2AD6A9-8F03-448D-956E-5D86143A994A}" type="datetime1">
               <a:rPr lang="en-US" smtClean="0"/>
-              <a:t>3/16/2018</a:t>
+              <a:t>3/17/2018</a:t>
             </a:fld>
             <a:endParaRPr lang="en-US"/>
           </a:p>
@@ -23417,7 +23514,7 @@
           <a:p>
             <a:fld id="{2104F775-F59B-4143-9A87-987EC7979C41}" type="datetime1">
               <a:rPr lang="en-US" smtClean="0"/>
-              <a:t>3/16/2018</a:t>
+              <a:t>3/17/2018</a:t>
             </a:fld>
             <a:endParaRPr lang="en-US"/>
           </a:p>
@@ -23920,7 +24017,7 @@
           <a:p>
             <a:fld id="{116D55EE-10AC-4823-B1B8-C01938BC5F14}" type="datetime1">
               <a:rPr lang="en-US" smtClean="0"/>
-              <a:t>3/16/2018</a:t>
+              <a:t>3/17/2018</a:t>
             </a:fld>
             <a:endParaRPr lang="en-US"/>
           </a:p>
@@ -24111,7 +24208,7 @@
           <a:p>
             <a:fld id="{90BBEE99-BE2B-41E7-A623-2AB5F865B294}" type="datetime1">
               <a:rPr lang="en-US" smtClean="0"/>
-              <a:t>3/16/2018</a:t>
+              <a:t>3/17/2018</a:t>
             </a:fld>
             <a:endParaRPr lang="en-US"/>
           </a:p>
@@ -24271,7 +24368,7 @@
           <a:p>
             <a:fld id="{F953E7FD-7A1D-4B00-9E7A-FB448CE920A5}" type="datetime1">
               <a:rPr lang="en-US" smtClean="0"/>
-              <a:t>3/16/2018</a:t>
+              <a:t>3/17/2018</a:t>
             </a:fld>
             <a:endParaRPr lang="en-US"/>
           </a:p>
@@ -24622,7 +24719,7 @@
           <a:p>
             <a:fld id="{286F4959-281D-4567-8F86-DD3E3D62D93B}" type="datetime1">
               <a:rPr lang="en-US" smtClean="0"/>
-              <a:t>3/16/2018</a:t>
+              <a:t>3/17/2018</a:t>
             </a:fld>
             <a:endParaRPr lang="en-US"/>
           </a:p>
@@ -24953,7 +25050,7 @@
           <a:p>
             <a:fld id="{6ECD4291-7F98-443C-BC32-D13BD5E8965D}" type="datetime1">
               <a:rPr lang="en-US" smtClean="0"/>
-              <a:t>3/16/2018</a:t>
+              <a:t>3/17/2018</a:t>
             </a:fld>
             <a:endParaRPr lang="en-US"/>
           </a:p>
@@ -25539,7 +25636,7 @@
           <a:p>
             <a:fld id="{A9504B55-30CA-44B4-A79D-1F217A8B324C}" type="datetime1">
               <a:rPr lang="en-US" smtClean="0"/>
-              <a:t>3/16/2018</a:t>
+              <a:t>3/17/2018</a:t>
             </a:fld>
             <a:endParaRPr lang="en-US"/>
           </a:p>
@@ -26353,11 +26450,11 @@
   <p:clrMapOvr>
     <a:masterClrMapping/>
   </p:clrMapOvr>
-  <mc:AlternateContent xmlns:mc="http://schemas.openxmlformats.org/markup-compatibility/2006">
-    <mc:Choice xmlns:p14="http://schemas.microsoft.com/office/powerpoint/2010/main" Requires="p14">
+  <mc:AlternateContent xmlns:mc="http://schemas.openxmlformats.org/markup-compatibility/2006" xmlns:p14="http://schemas.microsoft.com/office/powerpoint/2010/main">
+    <mc:Choice Requires="p14">
       <p:transition p14:dur="0"/>
     </mc:Choice>
-    <mc:Fallback>
+    <mc:Fallback xmlns="">
       <p:transition/>
     </mc:Fallback>
   </mc:AlternateContent>
@@ -26372,6 +26469,146 @@
 </file>
 
 <file path=ppt/slides/slide10.xml><?xml version="1.0" encoding="utf-8"?>
+<p:sld xmlns:a="http://schemas.openxmlformats.org/drawingml/2006/main" xmlns:r="http://schemas.openxmlformats.org/officeDocument/2006/relationships" xmlns:p="http://schemas.openxmlformats.org/presentationml/2006/main">
+  <p:cSld>
+    <p:spTree>
+      <p:nvGrpSpPr>
+        <p:cNvPr id="1" name=""/>
+        <p:cNvGrpSpPr/>
+        <p:nvPr/>
+      </p:nvGrpSpPr>
+      <p:grpSpPr>
+        <a:xfrm>
+          <a:off x="0" y="0"/>
+          <a:ext cx="0" cy="0"/>
+          <a:chOff x="0" y="0"/>
+          <a:chExt cx="0" cy="0"/>
+        </a:xfrm>
+      </p:grpSpPr>
+      <p:graphicFrame>
+        <p:nvGraphicFramePr>
+          <p:cNvPr id="6" name="Content Placeholder 5"/>
+          <p:cNvGraphicFramePr>
+            <a:graphicFrameLocks noGrp="1"/>
+          </p:cNvGraphicFramePr>
+          <p:nvPr>
+            <p:ph idx="1"/>
+            <p:extLst>
+              <p:ext uri="{D42A27DB-BD31-4B8C-83A1-F6EECF244321}">
+                <p14:modId xmlns:p14="http://schemas.microsoft.com/office/powerpoint/2010/main" val="3288126416"/>
+              </p:ext>
+            </p:extLst>
+          </p:nvPr>
+        </p:nvGraphicFramePr>
+        <p:xfrm>
+          <a:off x="838200" y="1825625"/>
+          <a:ext cx="10515600" cy="4351338"/>
+        </p:xfrm>
+        <a:graphic>
+          <a:graphicData uri="http://schemas.openxmlformats.org/drawingml/2006/diagram">
+            <dgm:relIds xmlns:dgm="http://schemas.openxmlformats.org/drawingml/2006/diagram" xmlns:r="http://schemas.openxmlformats.org/officeDocument/2006/relationships" r:dm="rId2" r:lo="rId3" r:qs="rId4" r:cs="rId5"/>
+          </a:graphicData>
+        </a:graphic>
+      </p:graphicFrame>
+      <p:sp>
+        <p:nvSpPr>
+          <p:cNvPr id="3" name="Title 2"/>
+          <p:cNvSpPr>
+            <a:spLocks noGrp="1"/>
+          </p:cNvSpPr>
+          <p:nvPr>
+            <p:ph type="title"/>
+          </p:nvPr>
+        </p:nvSpPr>
+        <p:spPr/>
+        <p:txBody>
+          <a:bodyPr/>
+          <a:lstStyle/>
+          <a:p>
+            <a:r>
+              <a:rPr lang="en-US" dirty="0" smtClean="0"/>
+              <a:t>Role of ACTN VN Model</a:t>
+            </a:r>
+            <a:endParaRPr lang="en-US" dirty="0"/>
+          </a:p>
+        </p:txBody>
+      </p:sp>
+      <p:sp>
+        <p:nvSpPr>
+          <p:cNvPr id="4" name="Footer Placeholder 3"/>
+          <p:cNvSpPr>
+            <a:spLocks noGrp="1"/>
+          </p:cNvSpPr>
+          <p:nvPr>
+            <p:ph type="ftr" sz="quarter" idx="3"/>
+          </p:nvPr>
+        </p:nvSpPr>
+        <p:spPr/>
+        <p:txBody>
+          <a:bodyPr/>
+          <a:lstStyle/>
+          <a:p>
+            <a:r>
+              <a:rPr lang="en-US" smtClean="0"/>
+              <a:t>TEAS WG @ IETF 101</a:t>
+            </a:r>
+            <a:endParaRPr lang="en-US"/>
+          </a:p>
+        </p:txBody>
+      </p:sp>
+      <p:sp>
+        <p:nvSpPr>
+          <p:cNvPr id="5" name="Slide Number Placeholder 4"/>
+          <p:cNvSpPr>
+            <a:spLocks noGrp="1"/>
+          </p:cNvSpPr>
+          <p:nvPr>
+            <p:ph type="sldNum" sz="quarter" idx="4"/>
+          </p:nvPr>
+        </p:nvSpPr>
+        <p:spPr/>
+        <p:txBody>
+          <a:bodyPr/>
+          <a:lstStyle/>
+          <a:p>
+            <a:fld id="{10E4A4DB-036F-4816-A98C-42C4167E83C5}" type="slidenum">
+              <a:rPr lang="en-US" smtClean="0"/>
+              <a:pPr/>
+              <a:t>10</a:t>
+            </a:fld>
+            <a:endParaRPr lang="en-US"/>
+          </a:p>
+        </p:txBody>
+      </p:sp>
+    </p:spTree>
+    <p:extLst>
+      <p:ext uri="{BB962C8B-B14F-4D97-AF65-F5344CB8AC3E}">
+        <p14:creationId xmlns:p14="http://schemas.microsoft.com/office/powerpoint/2010/main" val="2736898720"/>
+      </p:ext>
+    </p:extLst>
+  </p:cSld>
+  <p:clrMapOvr>
+    <a:masterClrMapping/>
+  </p:clrMapOvr>
+  <mc:AlternateContent xmlns:mc="http://schemas.openxmlformats.org/markup-compatibility/2006" xmlns:p14="http://schemas.microsoft.com/office/powerpoint/2010/main">
+    <mc:Choice Requires="p14">
+      <p:transition p14:dur="0"/>
+    </mc:Choice>
+    <mc:Fallback xmlns="">
+      <p:transition/>
+    </mc:Fallback>
+  </mc:AlternateContent>
+  <p:timing>
+    <p:tnLst>
+      <p:par>
+        <p:cTn id="1" dur="indefinite" restart="never" nodeType="tmRoot"/>
+      </p:par>
+    </p:tnLst>
+  </p:timing>
+</p:sld>
+</file>
+
+<file path=ppt/slides/slide11.xml><?xml version="1.0" encoding="utf-8"?>
 <p:sld xmlns:a="http://schemas.openxmlformats.org/drawingml/2006/main" xmlns:r="http://schemas.openxmlformats.org/officeDocument/2006/relationships" xmlns:p="http://schemas.openxmlformats.org/presentationml/2006/main">
   <p:cSld>
     <p:spTree>
@@ -28667,7 +28904,7 @@
             <a:fld id="{10E4A4DB-036F-4816-A98C-42C4167E83C5}" type="slidenum">
               <a:rPr lang="en-US" smtClean="0"/>
               <a:pPr/>
-              <a:t>10</a:t>
+              <a:t>11</a:t>
             </a:fld>
             <a:endParaRPr lang="en-US"/>
           </a:p>
@@ -28695,15 +28932,7 @@
           <a:p>
             <a:r>
               <a:rPr lang="en-US" dirty="0" smtClean="0"/>
-              <a:t>  </a:t>
-            </a:r>
-            <a:r>
-              <a:rPr lang="en-US" dirty="0" smtClean="0"/>
-              <a:t>ACTN VN </a:t>
-            </a:r>
-            <a:r>
-              <a:rPr lang="en-US" dirty="0" smtClean="0"/>
-              <a:t>Yang Tree </a:t>
+              <a:t>  ACTN VN Yang Tree </a:t>
             </a:r>
             <a:endParaRPr lang="en-US" dirty="0"/>
           </a:p>
@@ -28719,11 +28948,11 @@
   <p:clrMapOvr>
     <a:masterClrMapping/>
   </p:clrMapOvr>
-  <mc:AlternateContent xmlns:mc="http://schemas.openxmlformats.org/markup-compatibility/2006">
-    <mc:Choice xmlns:p14="http://schemas.microsoft.com/office/powerpoint/2010/main" Requires="p14">
+  <mc:AlternateContent xmlns:mc="http://schemas.openxmlformats.org/markup-compatibility/2006" xmlns:p14="http://schemas.microsoft.com/office/powerpoint/2010/main">
+    <mc:Choice Requires="p14">
       <p:transition p14:dur="0"/>
     </mc:Choice>
-    <mc:Fallback>
+    <mc:Fallback xmlns="">
       <p:transition/>
     </mc:Fallback>
   </mc:AlternateContent>
@@ -28737,7 +28966,7 @@
 </p:sld>
 </file>
 
-<file path=ppt/slides/slide11.xml><?xml version="1.0" encoding="utf-8"?>
+<file path=ppt/slides/slide12.xml><?xml version="1.0" encoding="utf-8"?>
 <p:sld xmlns:a="http://schemas.openxmlformats.org/drawingml/2006/main" xmlns:r="http://schemas.openxmlformats.org/officeDocument/2006/relationships" xmlns:p="http://schemas.openxmlformats.org/presentationml/2006/main">
   <p:cSld>
     <p:spTree>
@@ -28878,7 +29107,7 @@
             <a:fld id="{10E4A4DB-036F-4816-A98C-42C4167E83C5}" type="slidenum">
               <a:rPr lang="en-US" smtClean="0"/>
               <a:pPr/>
-              <a:t>11</a:t>
+              <a:t>12</a:t>
             </a:fld>
             <a:endParaRPr lang="en-US"/>
           </a:p>
@@ -28894,11 +29123,11 @@
   <p:clrMapOvr>
     <a:masterClrMapping/>
   </p:clrMapOvr>
-  <mc:AlternateContent xmlns:mc="http://schemas.openxmlformats.org/markup-compatibility/2006">
-    <mc:Choice xmlns:p14="http://schemas.microsoft.com/office/powerpoint/2010/main" Requires="p14">
+  <mc:AlternateContent xmlns:mc="http://schemas.openxmlformats.org/markup-compatibility/2006" xmlns:p14="http://schemas.microsoft.com/office/powerpoint/2010/main">
+    <mc:Choice Requires="p14">
       <p:transition p14:dur="0"/>
     </mc:Choice>
-    <mc:Fallback>
+    <mc:Fallback xmlns="">
       <p:transition/>
     </mc:Fallback>
   </mc:AlternateContent>
@@ -28912,7 +29141,7 @@
 </p:sld>
 </file>
 
-<file path=ppt/slides/slide12.xml><?xml version="1.0" encoding="utf-8"?>
+<file path=ppt/slides/slide13.xml><?xml version="1.0" encoding="utf-8"?>
 <p:sld xmlns:a="http://schemas.openxmlformats.org/drawingml/2006/main" xmlns:r="http://schemas.openxmlformats.org/officeDocument/2006/relationships" xmlns:p="http://schemas.openxmlformats.org/presentationml/2006/main">
   <p:cSld>
     <p:spTree>
@@ -29016,11 +29245,11 @@
   <p:clrMapOvr>
     <a:masterClrMapping/>
   </p:clrMapOvr>
-  <mc:AlternateContent xmlns:mc="http://schemas.openxmlformats.org/markup-compatibility/2006">
-    <mc:Choice xmlns:p14="http://schemas.microsoft.com/office/powerpoint/2010/main" Requires="p14">
+  <mc:AlternateContent xmlns:mc="http://schemas.openxmlformats.org/markup-compatibility/2006" xmlns:p14="http://schemas.microsoft.com/office/powerpoint/2010/main">
+    <mc:Choice Requires="p14">
       <p:transition p14:dur="0"/>
     </mc:Choice>
-    <mc:Fallback>
+    <mc:Fallback xmlns="">
       <p:transition/>
     </mc:Fallback>
   </mc:AlternateContent>
@@ -29034,7 +29263,7 @@
 </p:sld>
 </file>
 
-<file path=ppt/slides/slide13.xml><?xml version="1.0" encoding="utf-8"?>
+<file path=ppt/slides/slide14.xml><?xml version="1.0" encoding="utf-8"?>
 <p:sld xmlns:a="http://schemas.openxmlformats.org/drawingml/2006/main" xmlns:r="http://schemas.openxmlformats.org/officeDocument/2006/relationships" xmlns:p="http://schemas.openxmlformats.org/presentationml/2006/main">
   <p:cSld>
     <p:spTree>
@@ -29134,7 +29363,7 @@
             <a:fld id="{10E4A4DB-036F-4816-A98C-42C4167E83C5}" type="slidenum">
               <a:rPr lang="en-US" smtClean="0"/>
               <a:pPr/>
-              <a:t>13</a:t>
+              <a:t>14</a:t>
             </a:fld>
             <a:endParaRPr lang="en-US"/>
           </a:p>
@@ -29150,11 +29379,11 @@
   <p:clrMapOvr>
     <a:masterClrMapping/>
   </p:clrMapOvr>
-  <mc:AlternateContent xmlns:mc="http://schemas.openxmlformats.org/markup-compatibility/2006">
-    <mc:Choice xmlns:p14="http://schemas.microsoft.com/office/powerpoint/2010/main" Requires="p14">
+  <mc:AlternateContent xmlns:mc="http://schemas.openxmlformats.org/markup-compatibility/2006" xmlns:p14="http://schemas.microsoft.com/office/powerpoint/2010/main">
+    <mc:Choice Requires="p14">
       <p:transition p14:dur="0"/>
     </mc:Choice>
-    <mc:Fallback>
+    <mc:Fallback xmlns="">
       <p:transition/>
     </mc:Fallback>
   </mc:AlternateContent>
@@ -29168,7 +29397,7 @@
 </p:sld>
 </file>
 
-<file path=ppt/slides/slide14.xml><?xml version="1.0" encoding="utf-8"?>
+<file path=ppt/slides/slide15.xml><?xml version="1.0" encoding="utf-8"?>
 <p:sld xmlns:a="http://schemas.openxmlformats.org/drawingml/2006/main" xmlns:r="http://schemas.openxmlformats.org/officeDocument/2006/relationships" xmlns:p="http://schemas.openxmlformats.org/presentationml/2006/main">
   <p:cSld>
     <p:spTree>
@@ -29202,11 +29431,7 @@
           <a:p>
             <a:r>
               <a:rPr lang="en-US" dirty="0" smtClean="0"/>
-              <a:t>Typical </a:t>
-            </a:r>
-            <a:r>
-              <a:rPr lang="en-US" dirty="0" smtClean="0"/>
-              <a:t>Interactions: VN Type 1</a:t>
+              <a:t>Typical Interactions: VN Type 1</a:t>
             </a:r>
             <a:endParaRPr lang="en-US" dirty="0"/>
           </a:p>
@@ -29253,7 +29478,7 @@
             <a:fld id="{10E4A4DB-036F-4816-A98C-42C4167E83C5}" type="slidenum">
               <a:rPr lang="en-US" smtClean="0"/>
               <a:pPr/>
-              <a:t>14</a:t>
+              <a:t>15</a:t>
             </a:fld>
             <a:endParaRPr lang="en-US"/>
           </a:p>
@@ -29902,11 +30127,11 @@
   <p:clrMapOvr>
     <a:masterClrMapping/>
   </p:clrMapOvr>
-  <mc:AlternateContent xmlns:mc="http://schemas.openxmlformats.org/markup-compatibility/2006">
-    <mc:Choice xmlns:p14="http://schemas.microsoft.com/office/powerpoint/2010/main" Requires="p14">
+  <mc:AlternateContent xmlns:mc="http://schemas.openxmlformats.org/markup-compatibility/2006" xmlns:p14="http://schemas.microsoft.com/office/powerpoint/2010/main">
+    <mc:Choice Requires="p14">
       <p:transition p14:dur="0"/>
     </mc:Choice>
-    <mc:Fallback>
+    <mc:Fallback xmlns="">
       <p:transition/>
     </mc:Fallback>
   </mc:AlternateContent>
@@ -29920,7 +30145,7 @@
 </p:sld>
 </file>
 
-<file path=ppt/slides/slide15.xml><?xml version="1.0" encoding="utf-8"?>
+<file path=ppt/slides/slide16.xml><?xml version="1.0" encoding="utf-8"?>
 <p:sld xmlns:a="http://schemas.openxmlformats.org/drawingml/2006/main" xmlns:r="http://schemas.openxmlformats.org/officeDocument/2006/relationships" xmlns:p="http://schemas.openxmlformats.org/presentationml/2006/main">
   <p:cSld>
     <p:spTree>
@@ -29954,11 +30179,7 @@
           <a:p>
             <a:r>
               <a:rPr lang="en-US" dirty="0" smtClean="0"/>
-              <a:t>Typical </a:t>
-            </a:r>
-            <a:r>
-              <a:rPr lang="en-US" dirty="0" smtClean="0"/>
-              <a:t>Interactions: VN Type 2</a:t>
+              <a:t>Typical Interactions: VN Type 2</a:t>
             </a:r>
             <a:endParaRPr lang="en-US" dirty="0"/>
           </a:p>
@@ -30005,7 +30226,7 @@
             <a:fld id="{10E4A4DB-036F-4816-A98C-42C4167E83C5}" type="slidenum">
               <a:rPr lang="en-US" smtClean="0"/>
               <a:pPr/>
-              <a:t>15</a:t>
+              <a:t>16</a:t>
             </a:fld>
             <a:endParaRPr lang="en-US"/>
           </a:p>
@@ -30710,11 +30931,11 @@
   <p:clrMapOvr>
     <a:masterClrMapping/>
   </p:clrMapOvr>
-  <mc:AlternateContent xmlns:mc="http://schemas.openxmlformats.org/markup-compatibility/2006">
-    <mc:Choice xmlns:p14="http://schemas.microsoft.com/office/powerpoint/2010/main" Requires="p14">
+  <mc:AlternateContent xmlns:mc="http://schemas.openxmlformats.org/markup-compatibility/2006" xmlns:p14="http://schemas.microsoft.com/office/powerpoint/2010/main">
+    <mc:Choice Requires="p14">
       <p:transition p14:dur="0"/>
     </mc:Choice>
-    <mc:Fallback>
+    <mc:Fallback xmlns="">
       <p:transition/>
     </mc:Fallback>
   </mc:AlternateContent>
@@ -30728,7 +30949,7 @@
 </p:sld>
 </file>
 
-<file path=ppt/slides/slide16.xml><?xml version="1.0" encoding="utf-8"?>
+<file path=ppt/slides/slide17.xml><?xml version="1.0" encoding="utf-8"?>
 <p:sld xmlns:a="http://schemas.openxmlformats.org/drawingml/2006/main" xmlns:r="http://schemas.openxmlformats.org/officeDocument/2006/relationships" xmlns:p="http://schemas.openxmlformats.org/presentationml/2006/main">
   <p:cSld>
     <p:spTree>
@@ -30762,11 +30983,7 @@
           <a:p>
             <a:r>
               <a:rPr lang="en-US" dirty="0" smtClean="0"/>
-              <a:t>Typical </a:t>
-            </a:r>
-            <a:r>
-              <a:rPr lang="en-US" dirty="0" smtClean="0"/>
-              <a:t>Interactions: VN Type 2</a:t>
+              <a:t>Typical Interactions: VN Type 2</a:t>
             </a:r>
             <a:endParaRPr lang="en-US" dirty="0"/>
           </a:p>
@@ -30813,7 +31030,7 @@
             <a:fld id="{10E4A4DB-036F-4816-A98C-42C4167E83C5}" type="slidenum">
               <a:rPr lang="en-US" smtClean="0"/>
               <a:pPr/>
-              <a:t>16</a:t>
+              <a:t>17</a:t>
             </a:fld>
             <a:endParaRPr lang="en-US"/>
           </a:p>
@@ -31540,607 +31757,11 @@
   <p:clrMapOvr>
     <a:masterClrMapping/>
   </p:clrMapOvr>
-  <mc:AlternateContent xmlns:mc="http://schemas.openxmlformats.org/markup-compatibility/2006">
-    <mc:Choice xmlns:p14="http://schemas.microsoft.com/office/powerpoint/2010/main" Requires="p14">
+  <mc:AlternateContent xmlns:mc="http://schemas.openxmlformats.org/markup-compatibility/2006" xmlns:p14="http://schemas.microsoft.com/office/powerpoint/2010/main">
+    <mc:Choice Requires="p14">
       <p:transition p14:dur="0"/>
     </mc:Choice>
-    <mc:Fallback>
-      <p:transition/>
-    </mc:Fallback>
-  </mc:AlternateContent>
-  <p:timing>
-    <p:tnLst>
-      <p:par>
-        <p:cTn id="1" dur="indefinite" restart="never" nodeType="tmRoot"/>
-      </p:par>
-    </p:tnLst>
-  </p:timing>
-</p:sld>
-</file>
-
-<file path=ppt/slides/slide17.xml><?xml version="1.0" encoding="utf-8"?>
-<p:sld xmlns:a="http://schemas.openxmlformats.org/drawingml/2006/main" xmlns:r="http://schemas.openxmlformats.org/officeDocument/2006/relationships" xmlns:p="http://schemas.openxmlformats.org/presentationml/2006/main">
-  <p:cSld>
-    <p:spTree>
-      <p:nvGrpSpPr>
-        <p:cNvPr id="1" name=""/>
-        <p:cNvGrpSpPr/>
-        <p:nvPr/>
-      </p:nvGrpSpPr>
-      <p:grpSpPr>
-        <a:xfrm>
-          <a:off x="0" y="0"/>
-          <a:ext cx="0" cy="0"/>
-          <a:chOff x="0" y="0"/>
-          <a:chExt cx="0" cy="0"/>
-        </a:xfrm>
-      </p:grpSpPr>
-      <p:sp>
-        <p:nvSpPr>
-          <p:cNvPr id="2" name="Content Placeholder 1"/>
-          <p:cNvSpPr>
-            <a:spLocks noGrp="1"/>
-          </p:cNvSpPr>
-          <p:nvPr>
-            <p:ph idx="1"/>
-          </p:nvPr>
-        </p:nvSpPr>
-        <p:spPr>
-          <a:xfrm>
-            <a:off x="838200" y="1825625"/>
-            <a:ext cx="5254592" cy="4351338"/>
-          </a:xfrm>
-        </p:spPr>
-        <p:txBody>
-          <a:bodyPr>
-            <a:normAutofit lnSpcReduction="10000"/>
-          </a:bodyPr>
-          <a:lstStyle/>
-          <a:p>
-            <a:pPr>
-              <a:buFont typeface="Arial" panose="020B0604020202020204" pitchFamily="34" charset="0"/>
-              <a:buChar char="•"/>
-            </a:pPr>
-            <a:r>
-              <a:rPr lang="en-US" dirty="0" smtClean="0"/>
-              <a:t>Multiple VN members are configured and marked with multi-</a:t>
-            </a:r>
-            <a:r>
-              <a:rPr lang="en-US" dirty="0" err="1" smtClean="0"/>
-              <a:t>src</a:t>
-            </a:r>
-            <a:r>
-              <a:rPr lang="en-US" dirty="0" smtClean="0"/>
-              <a:t> or multi-</a:t>
-            </a:r>
-            <a:r>
-              <a:rPr lang="en-US" dirty="0" err="1" smtClean="0"/>
-              <a:t>dest</a:t>
-            </a:r>
-            <a:r>
-              <a:rPr lang="en-US" dirty="0" smtClean="0"/>
-              <a:t> option</a:t>
-            </a:r>
-          </a:p>
-          <a:p>
-            <a:pPr>
-              <a:buFont typeface="Arial" panose="020B0604020202020204" pitchFamily="34" charset="0"/>
-              <a:buChar char="•"/>
-            </a:pPr>
-            <a:r>
-              <a:rPr lang="en-US" dirty="0" smtClean="0"/>
-              <a:t>The MDSC selects the VN member to actually setup and create a connectivity matrix entry in the single node abstract topology based on the selected.</a:t>
-            </a:r>
-          </a:p>
-          <a:p>
-            <a:pPr>
-              <a:buFont typeface="Arial" panose="020B0604020202020204" pitchFamily="34" charset="0"/>
-              <a:buChar char="•"/>
-            </a:pPr>
-            <a:r>
-              <a:rPr lang="en-US" dirty="0" smtClean="0"/>
-              <a:t>MDSC is free to change the selected VN-member in coordination with CNC</a:t>
-            </a:r>
-            <a:endParaRPr lang="en-US" dirty="0"/>
-          </a:p>
-        </p:txBody>
-      </p:sp>
-      <p:sp>
-        <p:nvSpPr>
-          <p:cNvPr id="3" name="Title 2"/>
-          <p:cNvSpPr>
-            <a:spLocks noGrp="1"/>
-          </p:cNvSpPr>
-          <p:nvPr>
-            <p:ph type="title"/>
-          </p:nvPr>
-        </p:nvSpPr>
-        <p:spPr/>
-        <p:txBody>
-          <a:bodyPr/>
-          <a:lstStyle/>
-          <a:p>
-            <a:r>
-              <a:rPr lang="en-US" dirty="0" smtClean="0"/>
-              <a:t>Multi-</a:t>
-            </a:r>
-            <a:r>
-              <a:rPr lang="en-US" dirty="0" err="1" smtClean="0"/>
-              <a:t>Src</a:t>
-            </a:r>
-            <a:r>
-              <a:rPr lang="en-US" dirty="0" smtClean="0"/>
-              <a:t> / Multi-</a:t>
-            </a:r>
-            <a:r>
-              <a:rPr lang="en-US" dirty="0" err="1" smtClean="0"/>
-              <a:t>Dest</a:t>
-            </a:r>
-            <a:endParaRPr lang="en-US" dirty="0"/>
-          </a:p>
-        </p:txBody>
-      </p:sp>
-      <p:sp>
-        <p:nvSpPr>
-          <p:cNvPr id="4" name="Footer Placeholder 3"/>
-          <p:cNvSpPr>
-            <a:spLocks noGrp="1"/>
-          </p:cNvSpPr>
-          <p:nvPr>
-            <p:ph type="ftr" sz="quarter" idx="3"/>
-          </p:nvPr>
-        </p:nvSpPr>
-        <p:spPr/>
-        <p:txBody>
-          <a:bodyPr/>
-          <a:lstStyle/>
-          <a:p>
-            <a:r>
-              <a:rPr lang="en-US" smtClean="0"/>
-              <a:t>TEAS WG @ IETF 101</a:t>
-            </a:r>
-            <a:endParaRPr lang="en-US"/>
-          </a:p>
-        </p:txBody>
-      </p:sp>
-      <p:sp>
-        <p:nvSpPr>
-          <p:cNvPr id="5" name="Slide Number Placeholder 4"/>
-          <p:cNvSpPr>
-            <a:spLocks noGrp="1"/>
-          </p:cNvSpPr>
-          <p:nvPr>
-            <p:ph type="sldNum" sz="quarter" idx="4"/>
-          </p:nvPr>
-        </p:nvSpPr>
-        <p:spPr/>
-        <p:txBody>
-          <a:bodyPr/>
-          <a:lstStyle/>
-          <a:p>
-            <a:fld id="{10E4A4DB-036F-4816-A98C-42C4167E83C5}" type="slidenum">
-              <a:rPr lang="en-US" smtClean="0"/>
-              <a:pPr/>
-              <a:t>17</a:t>
-            </a:fld>
-            <a:endParaRPr lang="en-US"/>
-          </a:p>
-        </p:txBody>
-      </p:sp>
-      <p:pic>
-        <p:nvPicPr>
-          <p:cNvPr id="6" name="Picture 5"/>
-          <p:cNvPicPr>
-            <a:picLocks noChangeAspect="1"/>
-          </p:cNvPicPr>
-          <p:nvPr/>
-        </p:nvPicPr>
-        <p:blipFill>
-          <a:blip r:embed="rId2"/>
-          <a:stretch>
-            <a:fillRect/>
-          </a:stretch>
-        </p:blipFill>
-        <p:spPr>
-          <a:xfrm>
-            <a:off x="7293309" y="4283163"/>
-            <a:ext cx="3762375" cy="1752600"/>
-          </a:xfrm>
-          <a:prstGeom prst="rect">
-            <a:avLst/>
-          </a:prstGeom>
-        </p:spPr>
-      </p:pic>
-      <p:graphicFrame>
-        <p:nvGraphicFramePr>
-          <p:cNvPr id="7" name="Table 6"/>
-          <p:cNvGraphicFramePr>
-            <a:graphicFrameLocks noGrp="1"/>
-          </p:cNvGraphicFramePr>
-          <p:nvPr>
-            <p:extLst>
-              <p:ext uri="{D42A27DB-BD31-4B8C-83A1-F6EECF244321}">
-                <p14:modId xmlns:p14="http://schemas.microsoft.com/office/powerpoint/2010/main" val="2605078804"/>
-              </p:ext>
-            </p:extLst>
-          </p:nvPr>
-        </p:nvGraphicFramePr>
-        <p:xfrm>
-          <a:off x="7212050" y="365125"/>
-          <a:ext cx="3924894" cy="3526080"/>
-        </p:xfrm>
-        <a:graphic>
-          <a:graphicData uri="http://schemas.openxmlformats.org/drawingml/2006/table">
-            <a:tbl>
-              <a:tblPr bandRow="1">
-                <a:tableStyleId>{5C22544A-7EE6-4342-B048-85BDC9FD1C3A}</a:tableStyleId>
-              </a:tblPr>
-              <a:tblGrid>
-                <a:gridCol w="1962447"/>
-                <a:gridCol w="1962447"/>
-              </a:tblGrid>
-              <a:tr h="652920">
-                <a:tc>
-                  <a:txBody>
-                    <a:bodyPr/>
-                    <a:lstStyle/>
-                    <a:p>
-                      <a:r>
-                        <a:rPr lang="en-US" dirty="0" smtClean="0"/>
-                        <a:t>VN</a:t>
-                      </a:r>
-                      <a:r>
-                        <a:rPr lang="en-US" baseline="0" dirty="0" smtClean="0"/>
-                        <a:t>-Member 1</a:t>
-                      </a:r>
-                      <a:endParaRPr lang="en-IN" dirty="0"/>
-                    </a:p>
-                  </a:txBody>
-                  <a:tcPr/>
-                </a:tc>
-                <a:tc>
-                  <a:txBody>
-                    <a:bodyPr/>
-                    <a:lstStyle/>
-                    <a:p>
-                      <a:r>
-                        <a:rPr lang="en-US" dirty="0" smtClean="0"/>
-                        <a:t>L1-L4(*)</a:t>
-                      </a:r>
-                      <a:endParaRPr lang="en-IN" dirty="0"/>
-                    </a:p>
-                  </a:txBody>
-                  <a:tcPr/>
-                </a:tc>
-              </a:tr>
-              <a:tr h="652920">
-                <a:tc>
-                  <a:txBody>
-                    <a:bodyPr/>
-                    <a:lstStyle/>
-                    <a:p>
-                      <a:pPr marL="0" marR="0" lvl="0" indent="0" algn="l" defTabSz="914400" rtl="0" eaLnBrk="1" fontAlgn="auto" latinLnBrk="0" hangingPunct="1">
-                        <a:lnSpc>
-                          <a:spcPct val="100000"/>
-                        </a:lnSpc>
-                        <a:spcBef>
-                          <a:spcPts val="0"/>
-                        </a:spcBef>
-                        <a:spcAft>
-                          <a:spcPts val="0"/>
-                        </a:spcAft>
-                        <a:buClrTx/>
-                        <a:buSzTx/>
-                        <a:buFontTx/>
-                        <a:buNone/>
-                        <a:tabLst/>
-                        <a:defRPr/>
-                      </a:pPr>
-                      <a:r>
-                        <a:rPr lang="en-US" dirty="0" smtClean="0">
-                          <a:solidFill>
-                            <a:srgbClr val="FF0000"/>
-                          </a:solidFill>
-                        </a:rPr>
-                        <a:t>VN</a:t>
-                      </a:r>
-                      <a:r>
-                        <a:rPr lang="en-US" baseline="0" dirty="0" smtClean="0">
-                          <a:solidFill>
-                            <a:srgbClr val="FF0000"/>
-                          </a:solidFill>
-                        </a:rPr>
-                        <a:t>-Member </a:t>
-                      </a:r>
-                      <a:r>
-                        <a:rPr lang="en-US" baseline="0" dirty="0" smtClean="0">
-                          <a:solidFill>
-                            <a:srgbClr val="FF0000"/>
-                          </a:solidFill>
-                        </a:rPr>
-                        <a:t>2 (selected)</a:t>
-                      </a:r>
-                      <a:endParaRPr lang="en-IN" dirty="0" smtClean="0">
-                        <a:solidFill>
-                          <a:srgbClr val="FF0000"/>
-                        </a:solidFill>
-                      </a:endParaRPr>
-                    </a:p>
-                  </a:txBody>
-                  <a:tcPr/>
-                </a:tc>
-                <a:tc>
-                  <a:txBody>
-                    <a:bodyPr/>
-                    <a:lstStyle/>
-                    <a:p>
-                      <a:pPr marL="0" marR="0" lvl="0" indent="0" algn="l" defTabSz="914400" rtl="0" eaLnBrk="1" fontAlgn="auto" latinLnBrk="0" hangingPunct="1">
-                        <a:lnSpc>
-                          <a:spcPct val="100000"/>
-                        </a:lnSpc>
-                        <a:spcBef>
-                          <a:spcPts val="0"/>
-                        </a:spcBef>
-                        <a:spcAft>
-                          <a:spcPts val="0"/>
-                        </a:spcAft>
-                        <a:buClrTx/>
-                        <a:buSzTx/>
-                        <a:buFontTx/>
-                        <a:buNone/>
-                        <a:tabLst/>
-                        <a:defRPr/>
-                      </a:pPr>
-                      <a:r>
-                        <a:rPr lang="en-US" dirty="0" smtClean="0"/>
-                        <a:t>L1-L7(*) </a:t>
-                      </a:r>
-                      <a:endParaRPr lang="en-IN" dirty="0" smtClean="0"/>
-                    </a:p>
-                  </a:txBody>
-                  <a:tcPr/>
-                </a:tc>
-              </a:tr>
-              <a:tr h="652920">
-                <a:tc>
-                  <a:txBody>
-                    <a:bodyPr/>
-                    <a:lstStyle/>
-                    <a:p>
-                      <a:r>
-                        <a:rPr lang="en-US" dirty="0" smtClean="0"/>
-                        <a:t>VN</a:t>
-                      </a:r>
-                      <a:r>
-                        <a:rPr lang="en-US" baseline="0" dirty="0" smtClean="0"/>
-                        <a:t>-Member 3</a:t>
-                      </a:r>
-                      <a:endParaRPr lang="en-IN" dirty="0"/>
-                    </a:p>
-                  </a:txBody>
-                  <a:tcPr/>
-                </a:tc>
-                <a:tc>
-                  <a:txBody>
-                    <a:bodyPr/>
-                    <a:lstStyle/>
-                    <a:p>
-                      <a:r>
-                        <a:rPr lang="en-US" dirty="0" smtClean="0"/>
-                        <a:t>L2(*)-L4</a:t>
-                      </a:r>
-                      <a:endParaRPr lang="en-IN" dirty="0"/>
-                    </a:p>
-                  </a:txBody>
-                  <a:tcPr/>
-                </a:tc>
-              </a:tr>
-              <a:tr h="652920">
-                <a:tc>
-                  <a:txBody>
-                    <a:bodyPr/>
-                    <a:lstStyle/>
-                    <a:p>
-                      <a:pPr marL="0" marR="0" lvl="0" indent="0" algn="l" defTabSz="914400" rtl="0" eaLnBrk="1" fontAlgn="auto" latinLnBrk="0" hangingPunct="1">
-                        <a:lnSpc>
-                          <a:spcPct val="100000"/>
-                        </a:lnSpc>
-                        <a:spcBef>
-                          <a:spcPts val="0"/>
-                        </a:spcBef>
-                        <a:spcAft>
-                          <a:spcPts val="0"/>
-                        </a:spcAft>
-                        <a:buClrTx/>
-                        <a:buSzTx/>
-                        <a:buFontTx/>
-                        <a:buNone/>
-                        <a:tabLst/>
-                        <a:defRPr/>
-                      </a:pPr>
-                      <a:r>
-                        <a:rPr lang="en-US" dirty="0" smtClean="0">
-                          <a:solidFill>
-                            <a:srgbClr val="FF0000"/>
-                          </a:solidFill>
-                        </a:rPr>
-                        <a:t>VN</a:t>
-                      </a:r>
-                      <a:r>
-                        <a:rPr lang="en-US" baseline="0" dirty="0" smtClean="0">
-                          <a:solidFill>
-                            <a:srgbClr val="FF0000"/>
-                          </a:solidFill>
-                        </a:rPr>
-                        <a:t>-Member </a:t>
-                      </a:r>
-                      <a:r>
-                        <a:rPr lang="en-US" baseline="0" dirty="0" smtClean="0">
-                          <a:solidFill>
-                            <a:srgbClr val="FF0000"/>
-                          </a:solidFill>
-                        </a:rPr>
-                        <a:t>4</a:t>
-                      </a:r>
-                    </a:p>
-                    <a:p>
-                      <a:pPr marL="0" marR="0" lvl="0" indent="0" algn="l" defTabSz="914400" rtl="0" eaLnBrk="1" fontAlgn="auto" latinLnBrk="0" hangingPunct="1">
-                        <a:lnSpc>
-                          <a:spcPct val="100000"/>
-                        </a:lnSpc>
-                        <a:spcBef>
-                          <a:spcPts val="0"/>
-                        </a:spcBef>
-                        <a:spcAft>
-                          <a:spcPts val="0"/>
-                        </a:spcAft>
-                        <a:buClrTx/>
-                        <a:buSzTx/>
-                        <a:buFontTx/>
-                        <a:buNone/>
-                        <a:tabLst/>
-                        <a:defRPr/>
-                      </a:pPr>
-                      <a:r>
-                        <a:rPr lang="en-US" baseline="0" dirty="0" smtClean="0">
-                          <a:solidFill>
-                            <a:srgbClr val="FF0000"/>
-                          </a:solidFill>
-                        </a:rPr>
-                        <a:t>(selected)</a:t>
-                      </a:r>
-                      <a:endParaRPr lang="en-IN" dirty="0" smtClean="0">
-                        <a:solidFill>
-                          <a:srgbClr val="FF0000"/>
-                        </a:solidFill>
-                      </a:endParaRPr>
-                    </a:p>
-                  </a:txBody>
-                  <a:tcPr/>
-                </a:tc>
-                <a:tc>
-                  <a:txBody>
-                    <a:bodyPr/>
-                    <a:lstStyle/>
-                    <a:p>
-                      <a:pPr marL="0" marR="0" lvl="0" indent="0" algn="l" defTabSz="914400" rtl="0" eaLnBrk="1" fontAlgn="auto" latinLnBrk="0" hangingPunct="1">
-                        <a:lnSpc>
-                          <a:spcPct val="100000"/>
-                        </a:lnSpc>
-                        <a:spcBef>
-                          <a:spcPts val="0"/>
-                        </a:spcBef>
-                        <a:spcAft>
-                          <a:spcPts val="0"/>
-                        </a:spcAft>
-                        <a:buClrTx/>
-                        <a:buSzTx/>
-                        <a:buFontTx/>
-                        <a:buNone/>
-                        <a:tabLst/>
-                        <a:defRPr/>
-                      </a:pPr>
-                      <a:r>
-                        <a:rPr lang="en-US" dirty="0" smtClean="0"/>
-                        <a:t>L3(*)-L4 </a:t>
-                      </a:r>
-                      <a:endParaRPr lang="en-IN" dirty="0" smtClean="0"/>
-                    </a:p>
-                  </a:txBody>
-                  <a:tcPr/>
-                </a:tc>
-              </a:tr>
-              <a:tr h="652920">
-                <a:tc>
-                  <a:txBody>
-                    <a:bodyPr/>
-                    <a:lstStyle/>
-                    <a:p>
-                      <a:pPr marL="0" marR="0" lvl="0" indent="0" algn="l" defTabSz="914400" rtl="0" eaLnBrk="1" fontAlgn="auto" latinLnBrk="0" hangingPunct="1">
-                        <a:lnSpc>
-                          <a:spcPct val="100000"/>
-                        </a:lnSpc>
-                        <a:spcBef>
-                          <a:spcPts val="0"/>
-                        </a:spcBef>
-                        <a:spcAft>
-                          <a:spcPts val="0"/>
-                        </a:spcAft>
-                        <a:buClrTx/>
-                        <a:buSzTx/>
-                        <a:buFontTx/>
-                        <a:buNone/>
-                        <a:tabLst/>
-                        <a:defRPr/>
-                      </a:pPr>
-                      <a:r>
-                        <a:rPr lang="en-US" dirty="0" smtClean="0"/>
-                        <a:t>(*)</a:t>
-                      </a:r>
-                      <a:endParaRPr lang="en-IN" dirty="0" smtClean="0"/>
-                    </a:p>
-                  </a:txBody>
-                  <a:tcPr/>
-                </a:tc>
-                <a:tc>
-                  <a:txBody>
-                    <a:bodyPr/>
-                    <a:lstStyle/>
-                    <a:p>
-                      <a:pPr marL="0" marR="0" lvl="0" indent="0" algn="l" defTabSz="914400" rtl="0" eaLnBrk="1" fontAlgn="auto" latinLnBrk="0" hangingPunct="1">
-                        <a:lnSpc>
-                          <a:spcPct val="100000"/>
-                        </a:lnSpc>
-                        <a:spcBef>
-                          <a:spcPts val="0"/>
-                        </a:spcBef>
-                        <a:spcAft>
-                          <a:spcPts val="0"/>
-                        </a:spcAft>
-                        <a:buClrTx/>
-                        <a:buSzTx/>
-                        <a:buFontTx/>
-                        <a:buNone/>
-                        <a:tabLst/>
-                        <a:defRPr/>
-                      </a:pPr>
-                      <a:r>
-                        <a:rPr lang="en-US" dirty="0" smtClean="0"/>
-                        <a:t>Multi-</a:t>
-                      </a:r>
-                      <a:r>
-                        <a:rPr lang="en-US" dirty="0" err="1" smtClean="0"/>
-                        <a:t>src</a:t>
-                      </a:r>
-                      <a:r>
-                        <a:rPr lang="en-US" dirty="0" smtClean="0"/>
-                        <a:t> or Multi-destination enabled</a:t>
-                      </a:r>
-                      <a:endParaRPr lang="en-IN" dirty="0" smtClean="0"/>
-                    </a:p>
-                  </a:txBody>
-                  <a:tcPr/>
-                </a:tc>
-              </a:tr>
-            </a:tbl>
-          </a:graphicData>
-        </a:graphic>
-      </p:graphicFrame>
-    </p:spTree>
-    <p:extLst>
-      <p:ext uri="{BB962C8B-B14F-4D97-AF65-F5344CB8AC3E}">
-        <p14:creationId xmlns:p14="http://schemas.microsoft.com/office/powerpoint/2010/main" val="2215519735"/>
-      </p:ext>
-    </p:extLst>
-  </p:cSld>
-  <p:clrMapOvr>
-    <a:masterClrMapping/>
-  </p:clrMapOvr>
-  <mc:AlternateContent xmlns:mc="http://schemas.openxmlformats.org/markup-compatibility/2006">
-    <mc:Choice xmlns:p14="http://schemas.microsoft.com/office/powerpoint/2010/main" Requires="p14">
-      <p:transition p14:dur="0"/>
-    </mc:Choice>
-    <mc:Fallback>
+    <mc:Fallback xmlns="">
       <p:transition/>
     </mc:Fallback>
   </mc:AlternateContent>
@@ -32383,11 +32004,11 @@
   <p:clrMapOvr>
     <a:masterClrMapping/>
   </p:clrMapOvr>
-  <mc:AlternateContent xmlns:mc="http://schemas.openxmlformats.org/markup-compatibility/2006">
-    <mc:Choice xmlns:p14="http://schemas.microsoft.com/office/powerpoint/2010/main" Requires="p14">
+  <mc:AlternateContent xmlns:mc="http://schemas.openxmlformats.org/markup-compatibility/2006" xmlns:p14="http://schemas.microsoft.com/office/powerpoint/2010/main">
+    <mc:Choice Requires="p14">
       <p:transition p14:dur="0"/>
     </mc:Choice>
-    <mc:Fallback>
+    <mc:Fallback xmlns="">
       <p:transition/>
     </mc:Fallback>
   </mc:AlternateContent>
@@ -32486,11 +32107,7 @@
             </a:pPr>
             <a:r>
               <a:rPr lang="en-US" dirty="0" smtClean="0"/>
-              <a:t>Underlay </a:t>
-            </a:r>
-            <a:r>
-              <a:rPr lang="en-US" dirty="0" smtClean="0"/>
-              <a:t>path</a:t>
+              <a:t>Underlay path</a:t>
             </a:r>
           </a:p>
           <a:p>
@@ -32502,7 +32119,6 @@
               <a:rPr lang="en-US" dirty="0" smtClean="0"/>
               <a:t>Etc.</a:t>
             </a:r>
-            <a:endParaRPr lang="en-US" dirty="0" smtClean="0"/>
           </a:p>
           <a:p>
             <a:pPr>
@@ -32511,11 +32127,7 @@
             </a:pPr>
             <a:r>
               <a:rPr lang="en-US" dirty="0" smtClean="0"/>
-              <a:t>Simplification of model for both VN Type </a:t>
-            </a:r>
-            <a:r>
-              <a:rPr lang="en-US" dirty="0" smtClean="0"/>
-              <a:t>1 &amp; VN Type 2 </a:t>
+              <a:t>Simplification of model for both VN Type 1 &amp; VN Type 2 </a:t>
             </a:r>
           </a:p>
           <a:p>
@@ -32527,7 +32139,6 @@
               <a:rPr lang="en-US" dirty="0" smtClean="0"/>
               <a:t>JSON examples are added</a:t>
             </a:r>
-            <a:endParaRPr lang="en-US" dirty="0" smtClean="0"/>
           </a:p>
           <a:p>
             <a:pPr lvl="2">
@@ -32791,11 +32402,11 @@
   <p:clrMapOvr>
     <a:masterClrMapping/>
   </p:clrMapOvr>
-  <mc:AlternateContent xmlns:mc="http://schemas.openxmlformats.org/markup-compatibility/2006">
-    <mc:Choice xmlns:p14="http://schemas.microsoft.com/office/powerpoint/2010/main" Requires="p14">
+  <mc:AlternateContent xmlns:mc="http://schemas.openxmlformats.org/markup-compatibility/2006" xmlns:p14="http://schemas.microsoft.com/office/powerpoint/2010/main">
+    <mc:Choice Requires="p14">
       <p:transition p14:dur="0"/>
     </mc:Choice>
-    <mc:Fallback>
+    <mc:Fallback xmlns="">
       <p:transition/>
     </mc:Fallback>
   </mc:AlternateContent>
@@ -33525,11 +33136,11 @@
   <p:clrMapOvr>
     <a:masterClrMapping/>
   </p:clrMapOvr>
-  <mc:AlternateContent xmlns:mc="http://schemas.openxmlformats.org/markup-compatibility/2006">
-    <mc:Choice xmlns:p14="http://schemas.microsoft.com/office/powerpoint/2010/main" Requires="p14">
+  <mc:AlternateContent xmlns:mc="http://schemas.openxmlformats.org/markup-compatibility/2006" xmlns:p14="http://schemas.microsoft.com/office/powerpoint/2010/main">
+    <mc:Choice Requires="p14">
       <p:transition p14:dur="0"/>
     </mc:Choice>
-    <mc:Fallback>
+    <mc:Fallback xmlns="">
       <p:transition/>
     </mc:Fallback>
   </mc:AlternateContent>
@@ -33614,7 +33225,7 @@
           <p:nvPr>
             <p:extLst>
               <p:ext uri="{D42A27DB-BD31-4B8C-83A1-F6EECF244321}">
-                <p14:modId xmlns:p14="http://schemas.microsoft.com/office/powerpoint/2010/main" val="2723312284"/>
+                <p14:modId xmlns:p14="http://schemas.microsoft.com/office/powerpoint/2010/main" val="2704955402"/>
               </p:ext>
             </p:extLst>
           </p:nvPr>
@@ -34162,11 +33773,11 @@
   <p:clrMapOvr>
     <a:masterClrMapping/>
   </p:clrMapOvr>
-  <mc:AlternateContent xmlns:mc="http://schemas.openxmlformats.org/markup-compatibility/2006">
-    <mc:Choice xmlns:p14="http://schemas.microsoft.com/office/powerpoint/2010/main" Requires="p14">
+  <mc:AlternateContent xmlns:mc="http://schemas.openxmlformats.org/markup-compatibility/2006" xmlns:p14="http://schemas.microsoft.com/office/powerpoint/2010/main">
+    <mc:Choice Requires="p14">
       <p:transition p14:dur="0"/>
     </mc:Choice>
-    <mc:Fallback>
+    <mc:Fallback xmlns="">
       <p:transition/>
     </mc:Fallback>
   </mc:AlternateContent>
@@ -34464,11 +34075,7 @@
                       </a:pPr>
                       <a:r>
                         <a:rPr lang="en-US" dirty="0" smtClean="0"/>
-                        <a:t>abstract-node -&gt; </a:t>
-                      </a:r>
-                      <a:r>
-                        <a:rPr lang="en-US" dirty="0" smtClean="0"/>
-                        <a:t>/</a:t>
+                        <a:t>abstract-node -&gt; /</a:t>
                       </a:r>
                       <a:r>
                         <a:rPr lang="en-US" dirty="0" err="1" smtClean="0"/>
@@ -34623,7 +34230,6 @@
                         <a:rPr lang="en-US" dirty="0" smtClean="0"/>
                         <a:t>- node-attributes/connectivity-matrices/connectivity-matrix/id (reference)</a:t>
                       </a:r>
-                      <a:endParaRPr lang="en-US" dirty="0" smtClean="0"/>
                     </a:p>
                   </a:txBody>
                   <a:tcPr/>
@@ -34650,15 +34256,7 @@
           <a:p>
             <a:r>
               <a:rPr lang="en-US" dirty="0" smtClean="0"/>
-              <a:t>How: Reference to </a:t>
-            </a:r>
-            <a:r>
-              <a:rPr lang="en-US" dirty="0" smtClean="0"/>
-              <a:t>TE Topology </a:t>
-            </a:r>
-            <a:r>
-              <a:rPr lang="en-US" dirty="0" smtClean="0"/>
-              <a:t>Yang Model</a:t>
+              <a:t>How: Reference to TE Topology Yang Model</a:t>
             </a:r>
             <a:endParaRPr lang="en-US" dirty="0"/>
           </a:p>
@@ -34794,11 +34392,11 @@
   <p:clrMapOvr>
     <a:masterClrMapping/>
   </p:clrMapOvr>
-  <mc:AlternateContent xmlns:mc="http://schemas.openxmlformats.org/markup-compatibility/2006">
-    <mc:Choice xmlns:p14="http://schemas.microsoft.com/office/powerpoint/2010/main" Requires="p14">
+  <mc:AlternateContent xmlns:mc="http://schemas.openxmlformats.org/markup-compatibility/2006" xmlns:p14="http://schemas.microsoft.com/office/powerpoint/2010/main">
+    <mc:Choice Requires="p14">
       <p:transition p14:dur="0"/>
     </mc:Choice>
-    <mc:Fallback>
+    <mc:Fallback xmlns="">
       <p:transition/>
     </mc:Fallback>
   </mc:AlternateContent>
@@ -35650,11 +35248,11 @@
   <p:clrMapOvr>
     <a:masterClrMapping/>
   </p:clrMapOvr>
-  <mc:AlternateContent xmlns:mc="http://schemas.openxmlformats.org/markup-compatibility/2006">
-    <mc:Choice xmlns:p14="http://schemas.microsoft.com/office/powerpoint/2010/main" Requires="p14">
+  <mc:AlternateContent xmlns:mc="http://schemas.openxmlformats.org/markup-compatibility/2006" xmlns:p14="http://schemas.microsoft.com/office/powerpoint/2010/main">
+    <mc:Choice Requires="p14">
       <p:transition p14:dur="0"/>
     </mc:Choice>
-    <mc:Fallback>
+    <mc:Fallback xmlns="">
       <p:transition/>
     </mc:Fallback>
   </mc:AlternateContent>
@@ -35713,7 +35311,15 @@
             </a:pPr>
             <a:r>
               <a:rPr lang="en-US" dirty="0" smtClean="0"/>
-              <a:t>VN is seems as a topology of virtual nodes and links</a:t>
+              <a:t>VN is </a:t>
+            </a:r>
+            <a:r>
+              <a:rPr lang="en-US" dirty="0"/>
+              <a:t>seen</a:t>
+            </a:r>
+            <a:r>
+              <a:rPr lang="en-US" dirty="0" smtClean="0"/>
+              <a:t> as a topology of virtual nodes and links</a:t>
             </a:r>
           </a:p>
           <a:p>
@@ -37366,11 +36972,11 @@
   <p:clrMapOvr>
     <a:masterClrMapping/>
   </p:clrMapOvr>
-  <mc:AlternateContent xmlns:mc="http://schemas.openxmlformats.org/markup-compatibility/2006">
-    <mc:Choice xmlns:p14="http://schemas.microsoft.com/office/powerpoint/2010/main" Requires="p14">
+  <mc:AlternateContent xmlns:mc="http://schemas.openxmlformats.org/markup-compatibility/2006" xmlns:p14="http://schemas.microsoft.com/office/powerpoint/2010/main">
+    <mc:Choice Requires="p14">
       <p:transition p14:dur="0"/>
     </mc:Choice>
-    <mc:Fallback>
+    <mc:Fallback xmlns="">
       <p:transition/>
     </mc:Fallback>
   </mc:AlternateContent>
@@ -37401,31 +37007,76 @@
           <a:chExt cx="0" cy="0"/>
         </a:xfrm>
       </p:grpSpPr>
-      <p:graphicFrame>
-        <p:nvGraphicFramePr>
-          <p:cNvPr id="6" name="Content Placeholder 5"/>
-          <p:cNvGraphicFramePr>
-            <a:graphicFrameLocks noGrp="1"/>
-          </p:cNvGraphicFramePr>
+      <p:sp>
+        <p:nvSpPr>
+          <p:cNvPr id="2" name="Content Placeholder 1"/>
+          <p:cNvSpPr>
+            <a:spLocks noGrp="1"/>
+          </p:cNvSpPr>
           <p:nvPr>
             <p:ph idx="1"/>
-            <p:extLst>
-              <p:ext uri="{D42A27DB-BD31-4B8C-83A1-F6EECF244321}">
-                <p14:modId xmlns:p14="http://schemas.microsoft.com/office/powerpoint/2010/main" val="3288126416"/>
-              </p:ext>
-            </p:extLst>
           </p:nvPr>
-        </p:nvGraphicFramePr>
-        <p:xfrm>
-          <a:off x="838200" y="1825625"/>
-          <a:ext cx="10515600" cy="4351338"/>
-        </p:xfrm>
-        <a:graphic>
-          <a:graphicData uri="http://schemas.openxmlformats.org/drawingml/2006/diagram">
-            <dgm:relIds xmlns:dgm="http://schemas.openxmlformats.org/drawingml/2006/diagram" xmlns:r="http://schemas.openxmlformats.org/officeDocument/2006/relationships" r:dm="rId2" r:lo="rId3" r:qs="rId4" r:cs="rId5"/>
-          </a:graphicData>
-        </a:graphic>
-      </p:graphicFrame>
+        </p:nvSpPr>
+        <p:spPr>
+          <a:xfrm>
+            <a:off x="838200" y="1825625"/>
+            <a:ext cx="5254592" cy="4351338"/>
+          </a:xfrm>
+        </p:spPr>
+        <p:txBody>
+          <a:bodyPr>
+            <a:normAutofit lnSpcReduction="10000"/>
+          </a:bodyPr>
+          <a:lstStyle/>
+          <a:p>
+            <a:pPr>
+              <a:buFont typeface="Arial" panose="020B0604020202020204" pitchFamily="34" charset="0"/>
+              <a:buChar char="•"/>
+            </a:pPr>
+            <a:r>
+              <a:rPr lang="en-US" dirty="0" smtClean="0"/>
+              <a:t>Multiple VN members are configured and marked with multi-</a:t>
+            </a:r>
+            <a:r>
+              <a:rPr lang="en-US" dirty="0" err="1" smtClean="0"/>
+              <a:t>src</a:t>
+            </a:r>
+            <a:r>
+              <a:rPr lang="en-US" dirty="0" smtClean="0"/>
+              <a:t> or multi-</a:t>
+            </a:r>
+            <a:r>
+              <a:rPr lang="en-US" dirty="0" err="1" smtClean="0"/>
+              <a:t>dest</a:t>
+            </a:r>
+            <a:r>
+              <a:rPr lang="en-US" dirty="0" smtClean="0"/>
+              <a:t> option</a:t>
+            </a:r>
+          </a:p>
+          <a:p>
+            <a:pPr>
+              <a:buFont typeface="Arial" panose="020B0604020202020204" pitchFamily="34" charset="0"/>
+              <a:buChar char="•"/>
+            </a:pPr>
+            <a:r>
+              <a:rPr lang="en-US" dirty="0" smtClean="0"/>
+              <a:t>The MDSC selects the VN member to actually setup and create a connectivity matrix entry in the single node abstract topology based on the selected.</a:t>
+            </a:r>
+          </a:p>
+          <a:p>
+            <a:pPr>
+              <a:buFont typeface="Arial" panose="020B0604020202020204" pitchFamily="34" charset="0"/>
+              <a:buChar char="•"/>
+            </a:pPr>
+            <a:r>
+              <a:rPr lang="en-US" dirty="0" smtClean="0"/>
+              <a:t>MDSC is free to change the selected VN-member in coordination with CNC</a:t>
+            </a:r>
+            <a:endParaRPr lang="en-US" dirty="0"/>
+          </a:p>
+        </p:txBody>
+      </p:sp>
       <p:sp>
         <p:nvSpPr>
           <p:cNvPr id="3" name="Title 2"/>
@@ -37443,7 +37094,19 @@
           <a:p>
             <a:r>
               <a:rPr lang="en-US" dirty="0" smtClean="0"/>
-              <a:t>Role of ACTN VN Model</a:t>
+              <a:t>Multi-</a:t>
+            </a:r>
+            <a:r>
+              <a:rPr lang="en-US" dirty="0" err="1" smtClean="0"/>
+              <a:t>Src</a:t>
+            </a:r>
+            <a:r>
+              <a:rPr lang="en-US" dirty="0" smtClean="0"/>
+              <a:t> / Multi-</a:t>
+            </a:r>
+            <a:r>
+              <a:rPr lang="en-US" dirty="0" err="1" smtClean="0"/>
+              <a:t>Dest</a:t>
             </a:r>
             <a:endParaRPr lang="en-US" dirty="0"/>
           </a:p>
@@ -37496,21 +37159,400 @@
           </a:p>
         </p:txBody>
       </p:sp>
+      <p:pic>
+        <p:nvPicPr>
+          <p:cNvPr id="6" name="Picture 5"/>
+          <p:cNvPicPr>
+            <a:picLocks noChangeAspect="1"/>
+          </p:cNvPicPr>
+          <p:nvPr/>
+        </p:nvPicPr>
+        <p:blipFill>
+          <a:blip r:embed="rId2"/>
+          <a:stretch>
+            <a:fillRect/>
+          </a:stretch>
+        </p:blipFill>
+        <p:spPr>
+          <a:xfrm>
+            <a:off x="7293309" y="4283163"/>
+            <a:ext cx="3762375" cy="1752600"/>
+          </a:xfrm>
+          <a:prstGeom prst="rect">
+            <a:avLst/>
+          </a:prstGeom>
+        </p:spPr>
+      </p:pic>
+      <p:graphicFrame>
+        <p:nvGraphicFramePr>
+          <p:cNvPr id="7" name="Table 6"/>
+          <p:cNvGraphicFramePr>
+            <a:graphicFrameLocks noGrp="1"/>
+          </p:cNvGraphicFramePr>
+          <p:nvPr>
+            <p:extLst/>
+          </p:nvPr>
+        </p:nvGraphicFramePr>
+        <p:xfrm>
+          <a:off x="7212050" y="365125"/>
+          <a:ext cx="3924894" cy="3526080"/>
+        </p:xfrm>
+        <a:graphic>
+          <a:graphicData uri="http://schemas.openxmlformats.org/drawingml/2006/table">
+            <a:tbl>
+              <a:tblPr bandRow="1">
+                <a:tableStyleId>{5C22544A-7EE6-4342-B048-85BDC9FD1C3A}</a:tableStyleId>
+              </a:tblPr>
+              <a:tblGrid>
+                <a:gridCol w="1962447"/>
+                <a:gridCol w="1962447"/>
+              </a:tblGrid>
+              <a:tr h="652920">
+                <a:tc>
+                  <a:txBody>
+                    <a:bodyPr/>
+                    <a:lstStyle/>
+                    <a:p>
+                      <a:r>
+                        <a:rPr lang="en-US" dirty="0" smtClean="0"/>
+                        <a:t>VN</a:t>
+                      </a:r>
+                      <a:r>
+                        <a:rPr lang="en-US" baseline="0" dirty="0" smtClean="0"/>
+                        <a:t>-Member 1</a:t>
+                      </a:r>
+                      <a:endParaRPr lang="en-IN" dirty="0"/>
+                    </a:p>
+                  </a:txBody>
+                  <a:tcPr/>
+                </a:tc>
+                <a:tc>
+                  <a:txBody>
+                    <a:bodyPr/>
+                    <a:lstStyle/>
+                    <a:p>
+                      <a:r>
+                        <a:rPr lang="en-US" dirty="0" smtClean="0"/>
+                        <a:t>L1-L4(*)</a:t>
+                      </a:r>
+                      <a:endParaRPr lang="en-IN" dirty="0"/>
+                    </a:p>
+                  </a:txBody>
+                  <a:tcPr/>
+                </a:tc>
+              </a:tr>
+              <a:tr h="652920">
+                <a:tc>
+                  <a:txBody>
+                    <a:bodyPr/>
+                    <a:lstStyle/>
+                    <a:p>
+                      <a:pPr marL="0" marR="0" lvl="0" indent="0" algn="l" defTabSz="914400" rtl="0" eaLnBrk="1" fontAlgn="auto" latinLnBrk="0" hangingPunct="1">
+                        <a:lnSpc>
+                          <a:spcPct val="100000"/>
+                        </a:lnSpc>
+                        <a:spcBef>
+                          <a:spcPts val="0"/>
+                        </a:spcBef>
+                        <a:spcAft>
+                          <a:spcPts val="0"/>
+                        </a:spcAft>
+                        <a:buClrTx/>
+                        <a:buSzTx/>
+                        <a:buFontTx/>
+                        <a:buNone/>
+                        <a:tabLst/>
+                        <a:defRPr/>
+                      </a:pPr>
+                      <a:r>
+                        <a:rPr lang="en-US" dirty="0" smtClean="0">
+                          <a:solidFill>
+                            <a:srgbClr val="FF0000"/>
+                          </a:solidFill>
+                        </a:rPr>
+                        <a:t>VN</a:t>
+                      </a:r>
+                      <a:r>
+                        <a:rPr lang="en-US" baseline="0" dirty="0" smtClean="0">
+                          <a:solidFill>
+                            <a:srgbClr val="FF0000"/>
+                          </a:solidFill>
+                        </a:rPr>
+                        <a:t>-Member 2 (selected)</a:t>
+                      </a:r>
+                      <a:endParaRPr lang="en-IN" dirty="0" smtClean="0">
+                        <a:solidFill>
+                          <a:srgbClr val="FF0000"/>
+                        </a:solidFill>
+                      </a:endParaRPr>
+                    </a:p>
+                  </a:txBody>
+                  <a:tcPr/>
+                </a:tc>
+                <a:tc>
+                  <a:txBody>
+                    <a:bodyPr/>
+                    <a:lstStyle/>
+                    <a:p>
+                      <a:pPr marL="0" marR="0" lvl="0" indent="0" algn="l" defTabSz="914400" rtl="0" eaLnBrk="1" fontAlgn="auto" latinLnBrk="0" hangingPunct="1">
+                        <a:lnSpc>
+                          <a:spcPct val="100000"/>
+                        </a:lnSpc>
+                        <a:spcBef>
+                          <a:spcPts val="0"/>
+                        </a:spcBef>
+                        <a:spcAft>
+                          <a:spcPts val="0"/>
+                        </a:spcAft>
+                        <a:buClrTx/>
+                        <a:buSzTx/>
+                        <a:buFontTx/>
+                        <a:buNone/>
+                        <a:tabLst/>
+                        <a:defRPr/>
+                      </a:pPr>
+                      <a:r>
+                        <a:rPr lang="en-US" dirty="0" smtClean="0"/>
+                        <a:t>L1-L7(*) </a:t>
+                      </a:r>
+                      <a:endParaRPr lang="en-IN" dirty="0" smtClean="0"/>
+                    </a:p>
+                  </a:txBody>
+                  <a:tcPr/>
+                </a:tc>
+              </a:tr>
+              <a:tr h="652920">
+                <a:tc>
+                  <a:txBody>
+                    <a:bodyPr/>
+                    <a:lstStyle/>
+                    <a:p>
+                      <a:r>
+                        <a:rPr lang="en-US" dirty="0" smtClean="0"/>
+                        <a:t>VN</a:t>
+                      </a:r>
+                      <a:r>
+                        <a:rPr lang="en-US" baseline="0" dirty="0" smtClean="0"/>
+                        <a:t>-Member 3</a:t>
+                      </a:r>
+                      <a:endParaRPr lang="en-IN" dirty="0"/>
+                    </a:p>
+                  </a:txBody>
+                  <a:tcPr/>
+                </a:tc>
+                <a:tc>
+                  <a:txBody>
+                    <a:bodyPr/>
+                    <a:lstStyle/>
+                    <a:p>
+                      <a:r>
+                        <a:rPr lang="en-US" dirty="0" smtClean="0"/>
+                        <a:t>L2(*)-L4</a:t>
+                      </a:r>
+                      <a:endParaRPr lang="en-IN" dirty="0"/>
+                    </a:p>
+                  </a:txBody>
+                  <a:tcPr/>
+                </a:tc>
+              </a:tr>
+              <a:tr h="652920">
+                <a:tc>
+                  <a:txBody>
+                    <a:bodyPr/>
+                    <a:lstStyle/>
+                    <a:p>
+                      <a:pPr marL="0" marR="0" lvl="0" indent="0" algn="l" defTabSz="914400" rtl="0" eaLnBrk="1" fontAlgn="auto" latinLnBrk="0" hangingPunct="1">
+                        <a:lnSpc>
+                          <a:spcPct val="100000"/>
+                        </a:lnSpc>
+                        <a:spcBef>
+                          <a:spcPts val="0"/>
+                        </a:spcBef>
+                        <a:spcAft>
+                          <a:spcPts val="0"/>
+                        </a:spcAft>
+                        <a:buClrTx/>
+                        <a:buSzTx/>
+                        <a:buFontTx/>
+                        <a:buNone/>
+                        <a:tabLst/>
+                        <a:defRPr/>
+                      </a:pPr>
+                      <a:r>
+                        <a:rPr lang="en-US" dirty="0" smtClean="0">
+                          <a:solidFill>
+                            <a:srgbClr val="FF0000"/>
+                          </a:solidFill>
+                        </a:rPr>
+                        <a:t>VN</a:t>
+                      </a:r>
+                      <a:r>
+                        <a:rPr lang="en-US" baseline="0" dirty="0" smtClean="0">
+                          <a:solidFill>
+                            <a:srgbClr val="FF0000"/>
+                          </a:solidFill>
+                        </a:rPr>
+                        <a:t>-Member 4</a:t>
+                      </a:r>
+                    </a:p>
+                    <a:p>
+                      <a:pPr marL="0" marR="0" lvl="0" indent="0" algn="l" defTabSz="914400" rtl="0" eaLnBrk="1" fontAlgn="auto" latinLnBrk="0" hangingPunct="1">
+                        <a:lnSpc>
+                          <a:spcPct val="100000"/>
+                        </a:lnSpc>
+                        <a:spcBef>
+                          <a:spcPts val="0"/>
+                        </a:spcBef>
+                        <a:spcAft>
+                          <a:spcPts val="0"/>
+                        </a:spcAft>
+                        <a:buClrTx/>
+                        <a:buSzTx/>
+                        <a:buFontTx/>
+                        <a:buNone/>
+                        <a:tabLst/>
+                        <a:defRPr/>
+                      </a:pPr>
+                      <a:r>
+                        <a:rPr lang="en-US" baseline="0" dirty="0" smtClean="0">
+                          <a:solidFill>
+                            <a:srgbClr val="FF0000"/>
+                          </a:solidFill>
+                        </a:rPr>
+                        <a:t>(selected)</a:t>
+                      </a:r>
+                      <a:endParaRPr lang="en-IN" dirty="0" smtClean="0">
+                        <a:solidFill>
+                          <a:srgbClr val="FF0000"/>
+                        </a:solidFill>
+                      </a:endParaRPr>
+                    </a:p>
+                  </a:txBody>
+                  <a:tcPr/>
+                </a:tc>
+                <a:tc>
+                  <a:txBody>
+                    <a:bodyPr/>
+                    <a:lstStyle/>
+                    <a:p>
+                      <a:pPr marL="0" marR="0" lvl="0" indent="0" algn="l" defTabSz="914400" rtl="0" eaLnBrk="1" fontAlgn="auto" latinLnBrk="0" hangingPunct="1">
+                        <a:lnSpc>
+                          <a:spcPct val="100000"/>
+                        </a:lnSpc>
+                        <a:spcBef>
+                          <a:spcPts val="0"/>
+                        </a:spcBef>
+                        <a:spcAft>
+                          <a:spcPts val="0"/>
+                        </a:spcAft>
+                        <a:buClrTx/>
+                        <a:buSzTx/>
+                        <a:buFontTx/>
+                        <a:buNone/>
+                        <a:tabLst/>
+                        <a:defRPr/>
+                      </a:pPr>
+                      <a:r>
+                        <a:rPr lang="en-US" dirty="0" smtClean="0"/>
+                        <a:t>L3(*)-L4 </a:t>
+                      </a:r>
+                      <a:endParaRPr lang="en-IN" dirty="0" smtClean="0"/>
+                    </a:p>
+                  </a:txBody>
+                  <a:tcPr/>
+                </a:tc>
+              </a:tr>
+              <a:tr h="652920">
+                <a:tc>
+                  <a:txBody>
+                    <a:bodyPr/>
+                    <a:lstStyle/>
+                    <a:p>
+                      <a:pPr marL="0" marR="0" lvl="0" indent="0" algn="l" defTabSz="914400" rtl="0" eaLnBrk="1" fontAlgn="auto" latinLnBrk="0" hangingPunct="1">
+                        <a:lnSpc>
+                          <a:spcPct val="100000"/>
+                        </a:lnSpc>
+                        <a:spcBef>
+                          <a:spcPts val="0"/>
+                        </a:spcBef>
+                        <a:spcAft>
+                          <a:spcPts val="0"/>
+                        </a:spcAft>
+                        <a:buClrTx/>
+                        <a:buSzTx/>
+                        <a:buFontTx/>
+                        <a:buNone/>
+                        <a:tabLst/>
+                        <a:defRPr/>
+                      </a:pPr>
+                      <a:r>
+                        <a:rPr lang="en-US" dirty="0" smtClean="0"/>
+                        <a:t>(*)</a:t>
+                      </a:r>
+                      <a:endParaRPr lang="en-IN" dirty="0" smtClean="0"/>
+                    </a:p>
+                  </a:txBody>
+                  <a:tcPr/>
+                </a:tc>
+                <a:tc>
+                  <a:txBody>
+                    <a:bodyPr/>
+                    <a:lstStyle/>
+                    <a:p>
+                      <a:pPr marL="0" marR="0" lvl="0" indent="0" algn="l" defTabSz="914400" rtl="0" eaLnBrk="1" fontAlgn="auto" latinLnBrk="0" hangingPunct="1">
+                        <a:lnSpc>
+                          <a:spcPct val="100000"/>
+                        </a:lnSpc>
+                        <a:spcBef>
+                          <a:spcPts val="0"/>
+                        </a:spcBef>
+                        <a:spcAft>
+                          <a:spcPts val="0"/>
+                        </a:spcAft>
+                        <a:buClrTx/>
+                        <a:buSzTx/>
+                        <a:buFontTx/>
+                        <a:buNone/>
+                        <a:tabLst/>
+                        <a:defRPr/>
+                      </a:pPr>
+                      <a:r>
+                        <a:rPr lang="en-US" dirty="0" smtClean="0"/>
+                        <a:t>Multi-</a:t>
+                      </a:r>
+                      <a:r>
+                        <a:rPr lang="en-US" dirty="0" err="1" smtClean="0"/>
+                        <a:t>src</a:t>
+                      </a:r>
+                      <a:r>
+                        <a:rPr lang="en-US" dirty="0" smtClean="0"/>
+                        <a:t> or Multi-destination enabled</a:t>
+                      </a:r>
+                      <a:endParaRPr lang="en-IN" dirty="0" smtClean="0"/>
+                    </a:p>
+                  </a:txBody>
+                  <a:tcPr/>
+                </a:tc>
+              </a:tr>
+            </a:tbl>
+          </a:graphicData>
+        </a:graphic>
+      </p:graphicFrame>
     </p:spTree>
     <p:extLst>
       <p:ext uri="{BB962C8B-B14F-4D97-AF65-F5344CB8AC3E}">
-        <p14:creationId xmlns:p14="http://schemas.microsoft.com/office/powerpoint/2010/main" val="2736898720"/>
+        <p14:creationId xmlns:p14="http://schemas.microsoft.com/office/powerpoint/2010/main" val="1574388933"/>
       </p:ext>
     </p:extLst>
   </p:cSld>
   <p:clrMapOvr>
     <a:masterClrMapping/>
   </p:clrMapOvr>
-  <mc:AlternateContent xmlns:mc="http://schemas.openxmlformats.org/markup-compatibility/2006">
-    <mc:Choice xmlns:p14="http://schemas.microsoft.com/office/powerpoint/2010/main" Requires="p14">
+  <mc:AlternateContent xmlns:mc="http://schemas.openxmlformats.org/markup-compatibility/2006" xmlns:p14="http://schemas.microsoft.com/office/powerpoint/2010/main">
+    <mc:Choice Requires="p14">
       <p:transition p14:dur="0"/>
     </mc:Choice>
-    <mc:Fallback>
+    <mc:Fallback xmlns="">
       <p:transition/>
     </mc:Fallback>
   </mc:AlternateContent>
